--- a/docs/Presentation/slides.pptx
+++ b/docs/Presentation/slides.pptx
@@ -24,6 +24,8 @@
     <p:sldId id="272" r:id="rId18"/>
     <p:sldId id="273" r:id="rId19"/>
     <p:sldId id="274" r:id="rId20"/>
+    <p:sldId id="275" r:id="rId21"/>
+    <p:sldId id="276" r:id="rId22"/>
   </p:sldIdLst>
   <p:sldSz cx="9144000" cy="5143500" type="screen16x9"/>
   <p:notesSz cx="6858000" cy="9144000"/>
@@ -3206,12 +3208,7 @@
             <p:ph type="title"/>
           </p:nvPr>
         </p:nvSpPr>
-        <p:spPr>
-          <a:xfrm>
-            <a:off x="457201" y="204787"/>
-            <a:ext cx="3008313" cy="871538"/>
-          </a:xfrm>
-        </p:spPr>
+        <p:spPr/>
         <p:txBody>
           <a:bodyPr/>
           <a:lstStyle/>
@@ -3221,11 +3218,306 @@
             </a:pPr>
             <a:r>
               <a:rPr/>
-              <a:t>Project 2 - Methodology</a:t>
+              <a:t>Project 2 - Hit The Wall (HTW)</a:t>
             </a:r>
           </a:p>
         </p:txBody>
       </p:sp>
+      <p:sp>
+        <p:nvSpPr>
+          <p:cNvPr id="3" name="Content Placeholder 2"/>
+          <p:cNvSpPr>
+            <a:spLocks noGrp="1"/>
+          </p:cNvSpPr>
+          <p:nvPr>
+            <p:ph idx="1"/>
+          </p:nvPr>
+        </p:nvSpPr>
+        <p:spPr/>
+        <p:txBody>
+          <a:bodyPr/>
+          <a:lstStyle/>
+          <a:p>
+            <a:pPr lvl="0"/>
+            <a:r>
+              <a:rPr/>
+              <a:t>Influence of varied practice in a function learning task</a:t>
+            </a:r>
+          </a:p>
+          <a:p>
+            <a:pPr lvl="0"/>
+            <a:r>
+              <a:rPr/>
+              <a:t>Experiments 1, 2, and 3:</a:t>
+            </a:r>
+          </a:p>
+          <a:p>
+            <a:pPr lvl="1"/>
+            <a:r>
+              <a:rPr/>
+              <a:t>Training regimes and testing conditions</a:t>
+            </a:r>
+          </a:p>
+          <a:p>
+            <a:pPr lvl="1"/>
+            <a:r>
+              <a:rPr/>
+              <a:t>Learning, discrimination, and extrapolation performance metrics</a:t>
+            </a:r>
+          </a:p>
+        </p:txBody>
+      </p:sp>
+    </p:spTree>
+  </p:cSld>
+  <p:timing>
+    <p:tnLst>
+      <p:par>
+        <p:cTn id="1" dur="indefinite" restart="never" nodeType="tmRoot">
+          <p:childTnLst>
+            <p:seq concurrent="1" nextAc="seek">
+              <p:cTn id="2" dur="indefinite" nodeType="mainSeq">
+                <p:childTnLst>
+                  <p:par>
+                    <p:cTn id="3" fill="hold">
+                      <p:stCondLst>
+                        <p:cond delay="indefinite"/>
+                      </p:stCondLst>
+                      <p:childTnLst>
+                        <p:par>
+                          <p:cTn id="4" fill="hold">
+                            <p:stCondLst>
+                              <p:cond delay="0"/>
+                            </p:stCondLst>
+                            <p:childTnLst>
+                              <p:par>
+                                <p:cTn id="5" presetID="1" presetClass="entr" presetSubtype="0" fill="hold" grpId="0" nodeType="clickEffect">
+                                  <p:stCondLst>
+                                    <p:cond delay="0"/>
+                                  </p:stCondLst>
+                                  <p:childTnLst>
+                                    <p:set>
+                                      <p:cBhvr>
+                                        <p:cTn id="6" dur="1" fill="hold">
+                                          <p:stCondLst>
+                                            <p:cond delay="0"/>
+                                          </p:stCondLst>
+                                        </p:cTn>
+                                        <p:tgtEl>
+                                          <p:spTgt spid="3">
+                                            <p:txEl>
+                                              <p:pRg st="0" end="0"/>
+                                            </p:txEl>
+                                          </p:spTgt>
+                                        </p:tgtEl>
+                                        <p:attrNameLst>
+                                          <p:attrName>style.visibility</p:attrName>
+                                        </p:attrNameLst>
+                                      </p:cBhvr>
+                                      <p:to>
+                                        <p:strVal val="visible"/>
+                                      </p:to>
+                                    </p:set>
+                                  </p:childTnLst>
+                                </p:cTn>
+                              </p:par>
+                            </p:childTnLst>
+                          </p:cTn>
+                        </p:par>
+                      </p:childTnLst>
+                    </p:cTn>
+                  </p:par>
+                  <p:par>
+                    <p:cTn id="7" fill="hold">
+                      <p:stCondLst>
+                        <p:cond delay="indefinite"/>
+                      </p:stCondLst>
+                      <p:childTnLst>
+                        <p:par>
+                          <p:cTn id="8" fill="hold">
+                            <p:stCondLst>
+                              <p:cond delay="0"/>
+                            </p:stCondLst>
+                            <p:childTnLst>
+                              <p:par>
+                                <p:cTn id="9" presetID="1" presetClass="entr" presetSubtype="0" fill="hold" grpId="0" nodeType="clickEffect">
+                                  <p:stCondLst>
+                                    <p:cond delay="0"/>
+                                  </p:stCondLst>
+                                  <p:childTnLst>
+                                    <p:set>
+                                      <p:cBhvr>
+                                        <p:cTn id="10" dur="1" fill="hold">
+                                          <p:stCondLst>
+                                            <p:cond delay="0"/>
+                                          </p:stCondLst>
+                                        </p:cTn>
+                                        <p:tgtEl>
+                                          <p:spTgt spid="3">
+                                            <p:txEl>
+                                              <p:pRg st="1" end="1"/>
+                                            </p:txEl>
+                                          </p:spTgt>
+                                        </p:tgtEl>
+                                        <p:attrNameLst>
+                                          <p:attrName>style.visibility</p:attrName>
+                                        </p:attrNameLst>
+                                      </p:cBhvr>
+                                      <p:to>
+                                        <p:strVal val="visible"/>
+                                      </p:to>
+                                    </p:set>
+                                  </p:childTnLst>
+                                </p:cTn>
+                              </p:par>
+                            </p:childTnLst>
+                          </p:cTn>
+                        </p:par>
+                      </p:childTnLst>
+                    </p:cTn>
+                  </p:par>
+                  <p:par>
+                    <p:cTn id="11" fill="hold">
+                      <p:stCondLst>
+                        <p:cond delay="indefinite"/>
+                      </p:stCondLst>
+                      <p:childTnLst>
+                        <p:par>
+                          <p:cTn id="12" fill="hold">
+                            <p:stCondLst>
+                              <p:cond delay="0"/>
+                            </p:stCondLst>
+                            <p:childTnLst>
+                              <p:par>
+                                <p:cTn id="13" presetID="1" presetClass="entr" presetSubtype="0" fill="hold" grpId="0" nodeType="clickEffect">
+                                  <p:stCondLst>
+                                    <p:cond delay="0"/>
+                                  </p:stCondLst>
+                                  <p:childTnLst>
+                                    <p:set>
+                                      <p:cBhvr>
+                                        <p:cTn id="14" dur="1" fill="hold">
+                                          <p:stCondLst>
+                                            <p:cond delay="0"/>
+                                          </p:stCondLst>
+                                        </p:cTn>
+                                        <p:tgtEl>
+                                          <p:spTgt spid="3">
+                                            <p:txEl>
+                                              <p:pRg st="2" end="2"/>
+                                            </p:txEl>
+                                          </p:spTgt>
+                                        </p:tgtEl>
+                                        <p:attrNameLst>
+                                          <p:attrName>style.visibility</p:attrName>
+                                        </p:attrNameLst>
+                                      </p:cBhvr>
+                                      <p:to>
+                                        <p:strVal val="visible"/>
+                                      </p:to>
+                                    </p:set>
+                                  </p:childTnLst>
+                                </p:cTn>
+                              </p:par>
+                            </p:childTnLst>
+                          </p:cTn>
+                        </p:par>
+                      </p:childTnLst>
+                    </p:cTn>
+                  </p:par>
+                  <p:par>
+                    <p:cTn id="15" fill="hold">
+                      <p:stCondLst>
+                        <p:cond delay="indefinite"/>
+                      </p:stCondLst>
+                      <p:childTnLst>
+                        <p:par>
+                          <p:cTn id="16" fill="hold">
+                            <p:stCondLst>
+                              <p:cond delay="0"/>
+                            </p:stCondLst>
+                            <p:childTnLst>
+                              <p:par>
+                                <p:cTn id="17" presetID="1" presetClass="entr" presetSubtype="0" fill="hold" grpId="0" nodeType="clickEffect">
+                                  <p:stCondLst>
+                                    <p:cond delay="0"/>
+                                  </p:stCondLst>
+                                  <p:childTnLst>
+                                    <p:set>
+                                      <p:cBhvr>
+                                        <p:cTn id="18" dur="1" fill="hold">
+                                          <p:stCondLst>
+                                            <p:cond delay="0"/>
+                                          </p:stCondLst>
+                                        </p:cTn>
+                                        <p:tgtEl>
+                                          <p:spTgt spid="3">
+                                            <p:txEl>
+                                              <p:pRg st="3" end="3"/>
+                                            </p:txEl>
+                                          </p:spTgt>
+                                        </p:tgtEl>
+                                        <p:attrNameLst>
+                                          <p:attrName>style.visibility</p:attrName>
+                                        </p:attrNameLst>
+                                      </p:cBhvr>
+                                      <p:to>
+                                        <p:strVal val="visible"/>
+                                      </p:to>
+                                    </p:set>
+                                  </p:childTnLst>
+                                </p:cTn>
+                              </p:par>
+                            </p:childTnLst>
+                          </p:cTn>
+                        </p:par>
+                      </p:childTnLst>
+                    </p:cTn>
+                  </p:par>
+                </p:childTnLst>
+              </p:cTn>
+              <p:prevCondLst>
+                <p:cond evt="onPrev" delay="0">
+                  <p:tgtEl>
+                    <p:sldTgt/>
+                  </p:tgtEl>
+                </p:cond>
+              </p:prevCondLst>
+              <p:nextCondLst>
+                <p:cond evt="onNext" delay="0">
+                  <p:tgtEl>
+                    <p:sldTgt/>
+                  </p:tgtEl>
+                </p:cond>
+              </p:nextCondLst>
+            </p:seq>
+          </p:childTnLst>
+        </p:cTn>
+      </p:par>
+    </p:tnLst>
+    <p:bldLst>
+      <p:bldP spid="3" grpId="0" uiExpand="1" build="p"/>
+    </p:bldLst>
+  </p:timing>
+</p:sld>
+</file>
+
+<file path=ppt/slides/slide11.xml><?xml version="1.0" encoding="utf-8"?>
+<p:sld xmlns:a="http://schemas.openxmlformats.org/drawingml/2006/main" xmlns:r="http://schemas.openxmlformats.org/officeDocument/2006/relationships" xmlns:p="http://schemas.openxmlformats.org/presentationml/2006/main">
+  <p:cSld>
+    <p:spTree>
+      <p:nvGrpSpPr>
+        <p:cNvPr id="1" name=""/>
+        <p:cNvGrpSpPr/>
+        <p:nvPr/>
+      </p:nvGrpSpPr>
+      <p:grpSpPr>
+        <a:xfrm>
+          <a:off x="0" y="0"/>
+          <a:ext cx="0" cy="0"/>
+          <a:chOff x="0" y="0"/>
+          <a:chExt cx="0" cy="0"/>
+        </a:xfrm>
+      </p:grpSpPr>
       <p:sp>
         <p:nvSpPr>
           <p:cNvPr id="4" name="Text Placeholder 3"/>
@@ -3240,6 +3532,18 @@
         <p:txBody>
           <a:bodyPr/>
           <a:lstStyle/>
+          <a:p>
+            <a:pPr lvl="0" indent="0" marL="0">
+              <a:spcBef>
+                <a:spcPts val="3000"/>
+              </a:spcBef>
+              <a:buNone/>
+            </a:pPr>
+            <a:r>
+              <a:rPr b="1"/>
+              <a:t>Project 2 - Methodology</a:t>
+            </a:r>
+          </a:p>
           <a:p>
             <a:pPr lvl="0"/>
             <a:r>
@@ -3331,7 +3635,7 @@
                                         <p:tgtEl>
                                           <p:spTgt spid="4">
                                             <p:txEl>
-                                              <p:pRg st="0" end="0"/>
+                                              <p:pRg st="1" end="1"/>
                                             </p:txEl>
                                           </p:spTgt>
                                         </p:tgtEl>
@@ -3380,7 +3684,7 @@
                                         <p:tgtEl>
                                           <p:spTgt spid="4">
                                             <p:txEl>
-                                              <p:pRg st="1" end="1"/>
+                                              <p:pRg st="2" end="2"/>
                                             </p:txEl>
                                           </p:spTgt>
                                         </p:tgtEl>
@@ -3429,7 +3733,7 @@
                                         <p:tgtEl>
                                           <p:spTgt spid="4">
                                             <p:txEl>
-                                              <p:pRg st="2" end="2"/>
+                                              <p:pRg st="3" end="3"/>
                                             </p:txEl>
                                           </p:spTgt>
                                         </p:tgtEl>
@@ -3478,7 +3782,7 @@
 </p:sld>
 </file>
 
-<file path=ppt/slides/slide11.xml><?xml version="1.0" encoding="utf-8"?>
+<file path=ppt/slides/slide12.xml><?xml version="1.0" encoding="utf-8"?>
 <p:sld xmlns:a="http://schemas.openxmlformats.org/drawingml/2006/main" xmlns:r="http://schemas.openxmlformats.org/officeDocument/2006/relationships" xmlns:p="http://schemas.openxmlformats.org/presentationml/2006/main">
   <p:cSld>
     <p:spTree>
@@ -3525,7 +3829,338 @@
 </p:sld>
 </file>
 
-<file path=ppt/slides/slide12.xml><?xml version="1.0" encoding="utf-8"?>
+<file path=ppt/slides/slide13.xml><?xml version="1.0" encoding="utf-8"?>
+<p:sld xmlns:a="http://schemas.openxmlformats.org/drawingml/2006/main" xmlns:r="http://schemas.openxmlformats.org/officeDocument/2006/relationships" xmlns:p="http://schemas.openxmlformats.org/presentationml/2006/main">
+  <p:cSld>
+    <p:spTree>
+      <p:nvGrpSpPr>
+        <p:cNvPr id="1" name=""/>
+        <p:cNvGrpSpPr/>
+        <p:nvPr/>
+      </p:nvGrpSpPr>
+      <p:grpSpPr>
+        <a:xfrm>
+          <a:off x="0" y="0"/>
+          <a:ext cx="0" cy="0"/>
+          <a:chOff x="0" y="0"/>
+          <a:chExt cx="0" cy="0"/>
+        </a:xfrm>
+      </p:grpSpPr>
+      <p:sp>
+        <p:nvSpPr>
+          <p:cNvPr id="3" name="Content Placeholder 2"/>
+          <p:cNvSpPr>
+            <a:spLocks noGrp="1"/>
+          </p:cNvSpPr>
+          <p:nvPr>
+            <p:ph idx="1"/>
+          </p:nvPr>
+        </p:nvSpPr>
+        <p:spPr/>
+        <p:txBody>
+          <a:bodyPr/>
+          <a:lstStyle/>
+          <a:p>
+            <a:pPr lvl="0" indent="0" marL="0">
+              <a:spcBef>
+                <a:spcPts val="3000"/>
+              </a:spcBef>
+              <a:buNone/>
+            </a:pPr>
+            <a:r>
+              <a:rPr b="1"/>
+              <a:t>Project 2 - Results and Discussion</a:t>
+            </a:r>
+          </a:p>
+          <a:p>
+            <a:pPr lvl="0"/>
+            <a:r>
+              <a:rPr/>
+              <a:t>Training variability’s mixed results</a:t>
+            </a:r>
+          </a:p>
+          <a:p>
+            <a:pPr lvl="0"/>
+            <a:r>
+              <a:rPr/>
+              <a:t>Modeling analysis with ALM and EXAM</a:t>
+            </a:r>
+          </a:p>
+          <a:p>
+            <a:pPr lvl="0"/>
+            <a:r>
+              <a:rPr/>
+              <a:t>Theoretical implications</a:t>
+            </a:r>
+          </a:p>
+        </p:txBody>
+      </p:sp>
+    </p:spTree>
+  </p:cSld>
+  <p:timing>
+    <p:tnLst>
+      <p:par>
+        <p:cTn id="1" dur="indefinite" restart="never" nodeType="tmRoot">
+          <p:childTnLst>
+            <p:seq concurrent="1" nextAc="seek">
+              <p:cTn id="2" dur="indefinite" nodeType="mainSeq">
+                <p:childTnLst>
+                  <p:par>
+                    <p:cTn id="3" fill="hold">
+                      <p:stCondLst>
+                        <p:cond delay="indefinite"/>
+                      </p:stCondLst>
+                      <p:childTnLst>
+                        <p:par>
+                          <p:cTn id="4" fill="hold">
+                            <p:stCondLst>
+                              <p:cond delay="0"/>
+                            </p:stCondLst>
+                            <p:childTnLst>
+                              <p:par>
+                                <p:cTn id="5" presetID="1" presetClass="entr" presetSubtype="0" fill="hold" grpId="0" nodeType="clickEffect">
+                                  <p:stCondLst>
+                                    <p:cond delay="0"/>
+                                  </p:stCondLst>
+                                  <p:childTnLst>
+                                    <p:set>
+                                      <p:cBhvr>
+                                        <p:cTn id="6" dur="1" fill="hold">
+                                          <p:stCondLst>
+                                            <p:cond delay="0"/>
+                                          </p:stCondLst>
+                                        </p:cTn>
+                                        <p:tgtEl>
+                                          <p:spTgt spid="3">
+                                            <p:txEl>
+                                              <p:pRg st="1" end="1"/>
+                                            </p:txEl>
+                                          </p:spTgt>
+                                        </p:tgtEl>
+                                        <p:attrNameLst>
+                                          <p:attrName>style.visibility</p:attrName>
+                                        </p:attrNameLst>
+                                      </p:cBhvr>
+                                      <p:to>
+                                        <p:strVal val="visible"/>
+                                      </p:to>
+                                    </p:set>
+                                  </p:childTnLst>
+                                </p:cTn>
+                              </p:par>
+                            </p:childTnLst>
+                          </p:cTn>
+                        </p:par>
+                      </p:childTnLst>
+                    </p:cTn>
+                  </p:par>
+                  <p:par>
+                    <p:cTn id="7" fill="hold">
+                      <p:stCondLst>
+                        <p:cond delay="indefinite"/>
+                      </p:stCondLst>
+                      <p:childTnLst>
+                        <p:par>
+                          <p:cTn id="8" fill="hold">
+                            <p:stCondLst>
+                              <p:cond delay="0"/>
+                            </p:stCondLst>
+                            <p:childTnLst>
+                              <p:par>
+                                <p:cTn id="9" presetID="1" presetClass="entr" presetSubtype="0" fill="hold" grpId="0" nodeType="clickEffect">
+                                  <p:stCondLst>
+                                    <p:cond delay="0"/>
+                                  </p:stCondLst>
+                                  <p:childTnLst>
+                                    <p:set>
+                                      <p:cBhvr>
+                                        <p:cTn id="10" dur="1" fill="hold">
+                                          <p:stCondLst>
+                                            <p:cond delay="0"/>
+                                          </p:stCondLst>
+                                        </p:cTn>
+                                        <p:tgtEl>
+                                          <p:spTgt spid="3">
+                                            <p:txEl>
+                                              <p:pRg st="2" end="2"/>
+                                            </p:txEl>
+                                          </p:spTgt>
+                                        </p:tgtEl>
+                                        <p:attrNameLst>
+                                          <p:attrName>style.visibility</p:attrName>
+                                        </p:attrNameLst>
+                                      </p:cBhvr>
+                                      <p:to>
+                                        <p:strVal val="visible"/>
+                                      </p:to>
+                                    </p:set>
+                                  </p:childTnLst>
+                                </p:cTn>
+                              </p:par>
+                            </p:childTnLst>
+                          </p:cTn>
+                        </p:par>
+                      </p:childTnLst>
+                    </p:cTn>
+                  </p:par>
+                  <p:par>
+                    <p:cTn id="11" fill="hold">
+                      <p:stCondLst>
+                        <p:cond delay="indefinite"/>
+                      </p:stCondLst>
+                      <p:childTnLst>
+                        <p:par>
+                          <p:cTn id="12" fill="hold">
+                            <p:stCondLst>
+                              <p:cond delay="0"/>
+                            </p:stCondLst>
+                            <p:childTnLst>
+                              <p:par>
+                                <p:cTn id="13" presetID="1" presetClass="entr" presetSubtype="0" fill="hold" grpId="0" nodeType="clickEffect">
+                                  <p:stCondLst>
+                                    <p:cond delay="0"/>
+                                  </p:stCondLst>
+                                  <p:childTnLst>
+                                    <p:set>
+                                      <p:cBhvr>
+                                        <p:cTn id="14" dur="1" fill="hold">
+                                          <p:stCondLst>
+                                            <p:cond delay="0"/>
+                                          </p:stCondLst>
+                                        </p:cTn>
+                                        <p:tgtEl>
+                                          <p:spTgt spid="3">
+                                            <p:txEl>
+                                              <p:pRg st="3" end="3"/>
+                                            </p:txEl>
+                                          </p:spTgt>
+                                        </p:tgtEl>
+                                        <p:attrNameLst>
+                                          <p:attrName>style.visibility</p:attrName>
+                                        </p:attrNameLst>
+                                      </p:cBhvr>
+                                      <p:to>
+                                        <p:strVal val="visible"/>
+                                      </p:to>
+                                    </p:set>
+                                  </p:childTnLst>
+                                </p:cTn>
+                              </p:par>
+                            </p:childTnLst>
+                          </p:cTn>
+                        </p:par>
+                      </p:childTnLst>
+                    </p:cTn>
+                  </p:par>
+                </p:childTnLst>
+              </p:cTn>
+              <p:prevCondLst>
+                <p:cond evt="onPrev" delay="0">
+                  <p:tgtEl>
+                    <p:sldTgt/>
+                  </p:tgtEl>
+                </p:cond>
+              </p:prevCondLst>
+              <p:nextCondLst>
+                <p:cond evt="onNext" delay="0">
+                  <p:tgtEl>
+                    <p:sldTgt/>
+                  </p:tgtEl>
+                </p:cond>
+              </p:nextCondLst>
+            </p:seq>
+          </p:childTnLst>
+        </p:cTn>
+      </p:par>
+    </p:tnLst>
+    <p:bldLst>
+      <p:bldP spid="3" grpId="0" uiExpand="1" build="p"/>
+    </p:bldLst>
+  </p:timing>
+</p:sld>
+</file>
+
+<file path=ppt/slides/slide14.xml><?xml version="1.0" encoding="utf-8"?>
+<p:sld xmlns:a="http://schemas.openxmlformats.org/drawingml/2006/main" xmlns:r="http://schemas.openxmlformats.org/officeDocument/2006/relationships" xmlns:p="http://schemas.openxmlformats.org/presentationml/2006/main">
+  <p:cSld>
+    <p:spTree>
+      <p:nvGrpSpPr>
+        <p:cNvPr id="1" name=""/>
+        <p:cNvGrpSpPr/>
+        <p:nvPr/>
+      </p:nvGrpSpPr>
+      <p:grpSpPr>
+        <a:xfrm>
+          <a:off x="0" y="0"/>
+          <a:ext cx="0" cy="0"/>
+          <a:chOff x="0" y="0"/>
+          <a:chExt cx="0" cy="0"/>
+        </a:xfrm>
+      </p:grpSpPr>
+      <p:sp>
+        <p:nvSpPr>
+          <p:cNvPr id="4" name="Text Placeholder 3"/>
+          <p:cNvSpPr>
+            <a:spLocks noGrp="1"/>
+          </p:cNvSpPr>
+          <p:nvPr>
+            <p:ph idx="2" sz="half" type="body"/>
+          </p:nvPr>
+        </p:nvSpPr>
+        <p:spPr/>
+        <p:txBody>
+          <a:bodyPr/>
+          <a:lstStyle/>
+          <a:p>
+            <a:pPr lvl="0" indent="0" marL="0">
+              <a:spcBef>
+                <a:spcPts val="3000"/>
+              </a:spcBef>
+              <a:buNone/>
+            </a:pPr>
+            <a:r>
+              <a:rPr b="1"/>
+              <a:t>Project 2 - ALM</a:t>
+            </a:r>
+          </a:p>
+        </p:txBody>
+      </p:sp>
+      <p:pic>
+        <p:nvPicPr>
+          <p:cNvPr descr="assets/fig-alm-diagram-1-1.png" id="0" name="Picture 1"/>
+          <p:cNvPicPr>
+            <a:picLocks noGrp="1" noChangeAspect="1"/>
+          </p:cNvPicPr>
+          <p:nvPr/>
+        </p:nvPicPr>
+        <p:blipFill>
+          <a:blip r:embed="rId2"/>
+          <a:stretch>
+            <a:fillRect/>
+          </a:stretch>
+        </p:blipFill>
+        <p:spPr bwMode="auto">
+          <a:xfrm>
+            <a:off x="3568700" y="571500"/>
+            <a:ext cx="5105400" cy="3644900"/>
+          </a:xfrm>
+          <a:prstGeom prst="rect">
+            <a:avLst/>
+          </a:prstGeom>
+          <a:noFill/>
+          <a:ln w="9525">
+            <a:noFill/>
+            <a:headEnd/>
+            <a:tailEnd/>
+          </a:ln>
+        </p:spPr>
+      </p:pic>
+    </p:spTree>
+  </p:cSld>
+</p:sld>
+</file>
+
+<file path=ppt/slides/slide15.xml><?xml version="1.0" encoding="utf-8"?>
 <p:sld xmlns:a="http://schemas.openxmlformats.org/drawingml/2006/main" xmlns:r="http://schemas.openxmlformats.org/officeDocument/2006/relationships" xmlns:p="http://schemas.openxmlformats.org/presentationml/2006/main">
   <p:cSld>
     <p:spTree>
@@ -3562,7 +4197,7 @@
             </a:pPr>
             <a:r>
               <a:rPr/>
-              <a:t>Project 2 - Results and Discussion</a:t>
+              <a:t>General Discussion</a:t>
             </a:r>
           </a:p>
         </p:txBody>
@@ -3585,21 +4220,21 @@
             <a:pPr lvl="0"/>
             <a:r>
               <a:rPr/>
-              <a:t>Training variability’s mixed results</a:t>
+              <a:t>Compare HTT and HTW</a:t>
             </a:r>
           </a:p>
           <a:p>
             <a:pPr lvl="0"/>
             <a:r>
               <a:rPr/>
-              <a:t>Modeling analysis with ALM and EXAM</a:t>
+              <a:t>Empirical findings summary</a:t>
             </a:r>
           </a:p>
           <a:p>
             <a:pPr lvl="0"/>
             <a:r>
               <a:rPr/>
-              <a:t>Theoretical implications</a:t>
+              <a:t>Computational modeling contributions</a:t>
             </a:r>
           </a:p>
         </p:txBody>
@@ -3789,7 +4424,7 @@
 </p:sld>
 </file>
 
-<file path=ppt/slides/slide13.xml><?xml version="1.0" encoding="utf-8"?>
+<file path=ppt/slides/slide16.xml><?xml version="1.0" encoding="utf-8"?>
 <p:sld xmlns:a="http://schemas.openxmlformats.org/drawingml/2006/main" xmlns:r="http://schemas.openxmlformats.org/officeDocument/2006/relationships" xmlns:p="http://schemas.openxmlformats.org/presentationml/2006/main">
   <p:cSld>
     <p:spTree>
@@ -3808,12 +4443,12 @@
       </p:grpSpPr>
       <p:sp>
         <p:nvSpPr>
-          <p:cNvPr id="2" name="Title 1"/>
+          <p:cNvPr id="4" name="Text Placeholder 3"/>
           <p:cNvSpPr>
             <a:spLocks noGrp="1"/>
           </p:cNvSpPr>
           <p:nvPr>
-            <p:ph type="title"/>
+            <p:ph idx="2" sz="half" type="body"/>
           </p:nvPr>
         </p:nvSpPr>
         <p:spPr/>
@@ -3822,51 +4457,479 @@
           <a:lstStyle/>
           <a:p>
             <a:pPr lvl="0" indent="0" marL="0">
+              <a:spcBef>
+                <a:spcPts val="3000"/>
+              </a:spcBef>
               <a:buNone/>
             </a:pPr>
             <a:r>
-              <a:rPr/>
-              <a:t>Project 2 - ALM</a:t>
+              <a:rPr b="1"/>
+              <a:t>Comparison</a:t>
             </a:r>
           </a:p>
         </p:txBody>
       </p:sp>
-      <p:pic>
-        <p:nvPicPr>
-          <p:cNvPr descr="assets/fig-alm-diagram-1-1.png" id="0" name="Picture 1"/>
-          <p:cNvPicPr>
-            <a:picLocks noGrp="1" noChangeAspect="1"/>
-          </p:cNvPicPr>
-          <p:nvPr/>
-        </p:nvPicPr>
-        <p:blipFill>
-          <a:blip r:embed="rId2"/>
-          <a:stretch>
-            <a:fillRect/>
-          </a:stretch>
-        </p:blipFill>
-        <p:spPr bwMode="auto">
-          <a:xfrm>
-            <a:off x="2197100" y="1193800"/>
-            <a:ext cx="4749800" cy="3390900"/>
-          </a:xfrm>
-          <a:prstGeom prst="rect">
-            <a:avLst/>
-          </a:prstGeom>
-          <a:noFill/>
-          <a:ln w="9525">
-            <a:noFill/>
-            <a:headEnd/>
-            <a:tailEnd/>
-          </a:ln>
-        </p:spPr>
-      </p:pic>
+      <p:graphicFrame>
+        <p:nvGraphicFramePr>
+          <p:cNvPr id="6" name="Content Placeholder 5"/>
+          <p:cNvGraphicFramePr>
+            <a:graphicFrameLocks noGrp="1"/>
+          </p:cNvGraphicFramePr>
+          <p:nvPr>
+            <p:ph idx="1"/>
+          </p:nvPr>
+        </p:nvGraphicFramePr>
+        <p:xfrm>
+          <a:off x="3568700" y="203200"/>
+          <a:ext cx="5105400" cy="4381500"/>
+        </p:xfrm>
+        <a:graphic>
+          <a:graphicData uri="http://schemas.openxmlformats.org/drawingml/2006/table">
+            <a:tbl>
+              <a:tblPr firstRow="1" bandRow="1">
+                <a:tableStyleId>{5C22544A-7EE6-4342-B048-85BDC9FD1C3A}</a:tableStyleId>
+              </a:tblPr>
+              <a:tblGrid>
+                <a:gridCol w="800100"/>
+                <a:gridCol w="2413000"/>
+                <a:gridCol w="1879600"/>
+              </a:tblGrid>
+              <a:tr h="0">
+                <a:tc>
+                  <a:txBody>
+                    <a:bodyPr/>
+                    <a:lstStyle/>
+                    <a:p>
+                      <a:pPr lvl="0" indent="0" marL="0">
+                        <a:buNone/>
+                      </a:pPr>
+                      <a:r>
+                        <a:rPr/>
+                        <a:t>Dimension</a:t>
+                      </a:r>
+                    </a:p>
+                  </a:txBody>
+                  <a:tcPr/>
+                </a:tc>
+                <a:tc>
+                  <a:txBody>
+                    <a:bodyPr/>
+                    <a:lstStyle/>
+                    <a:p>
+                      <a:pPr lvl="0" indent="0" marL="0">
+                        <a:buNone/>
+                      </a:pPr>
+                      <a:r>
+                        <a:rPr/>
+                        <a:t>HTT (Project 1)</a:t>
+                      </a:r>
+                    </a:p>
+                  </a:txBody>
+                  <a:tcPr/>
+                </a:tc>
+                <a:tc>
+                  <a:txBody>
+                    <a:bodyPr/>
+                    <a:lstStyle/>
+                    <a:p>
+                      <a:pPr lvl="0" indent="0" marL="0">
+                        <a:buNone/>
+                      </a:pPr>
+                      <a:r>
+                        <a:rPr/>
+                        <a:t>HTW (Project 2)</a:t>
+                      </a:r>
+                    </a:p>
+                  </a:txBody>
+                  <a:tcPr/>
+                </a:tc>
+              </a:tr>
+              <a:tr h="0">
+                <a:tc>
+                  <a:txBody>
+                    <a:bodyPr/>
+                    <a:lstStyle/>
+                    <a:p>
+                      <a:pPr lvl="0" indent="0" marL="0">
+                        <a:buNone/>
+                      </a:pPr>
+                      <a:r>
+                        <a:rPr/>
+                        <a:t>Task Description</a:t>
+                      </a:r>
+                    </a:p>
+                  </a:txBody>
+                </a:tc>
+                <a:tc>
+                  <a:txBody>
+                    <a:bodyPr/>
+                    <a:lstStyle/>
+                    <a:p>
+                      <a:pPr lvl="0" indent="0" marL="0">
+                        <a:buNone/>
+                      </a:pPr>
+                      <a:r>
+                        <a:rPr/>
+                        <a:t>Projectile launching to hit a target</a:t>
+                      </a:r>
+                    </a:p>
+                  </a:txBody>
+                </a:tc>
+                <a:tc>
+                  <a:txBody>
+                    <a:bodyPr/>
+                    <a:lstStyle/>
+                    <a:p>
+                      <a:pPr lvl="0" indent="0" marL="0">
+                        <a:buNone/>
+                      </a:pPr>
+                      <a:r>
+                        <a:rPr/>
+                        <a:t>Projectile launching to hit wall at a specific velocity</a:t>
+                      </a:r>
+                    </a:p>
+                  </a:txBody>
+                </a:tc>
+              </a:tr>
+              <a:tr h="0">
+                <a:tc>
+                  <a:txBody>
+                    <a:bodyPr/>
+                    <a:lstStyle/>
+                    <a:p>
+                      <a:pPr lvl="0" indent="0" marL="0">
+                        <a:buNone/>
+                      </a:pPr>
+                      <a:r>
+                        <a:rPr/>
+                        <a:t>Task Complexity</a:t>
+                      </a:r>
+                    </a:p>
+                  </a:txBody>
+                </a:tc>
+                <a:tc>
+                  <a:txBody>
+                    <a:bodyPr/>
+                    <a:lstStyle/>
+                    <a:p>
+                      <a:pPr lvl="0" indent="0" marL="0">
+                        <a:buNone/>
+                      </a:pPr>
+                      <a:r>
+                        <a:rPr/>
+                        <a:t>More complex parabolic trajectory, both x and y velocities relevant to outcome</a:t>
+                      </a:r>
+                    </a:p>
+                  </a:txBody>
+                </a:tc>
+                <a:tc>
+                  <a:txBody>
+                    <a:bodyPr/>
+                    <a:lstStyle/>
+                    <a:p>
+                      <a:pPr lvl="0" indent="0" marL="0">
+                        <a:buNone/>
+                      </a:pPr>
+                      <a:r>
+                        <a:rPr/>
+                        <a:t>Simpler 1D mapping of force to outcome. Only x velocity is relevant.</a:t>
+                      </a:r>
+                    </a:p>
+                  </a:txBody>
+                </a:tc>
+              </a:tr>
+              <a:tr h="0">
+                <a:tc>
+                  <a:txBody>
+                    <a:bodyPr/>
+                    <a:lstStyle/>
+                    <a:p>
+                      <a:pPr lvl="0" indent="0" marL="0">
+                        <a:buNone/>
+                      </a:pPr>
+                      <a:r>
+                        <a:rPr/>
+                        <a:t>Task Space</a:t>
+                      </a:r>
+                    </a:p>
+                  </a:txBody>
+                </a:tc>
+                <a:tc>
+                  <a:txBody>
+                    <a:bodyPr/>
+                    <a:lstStyle/>
+                    <a:p>
+                      <a:pPr lvl="0" indent="0" marL="0">
+                        <a:buNone/>
+                      </a:pPr>
+                      <a:r>
+                        <a:rPr/>
+                        <a:t>More complex: xy velocity combinations closer to the solution space may still result in worse feedback due to striking the barrier.</a:t>
+                      </a:r>
+                    </a:p>
+                  </a:txBody>
+                </a:tc>
+                <a:tc>
+                  <a:txBody>
+                    <a:bodyPr/>
+                    <a:lstStyle/>
+                    <a:p>
+                      <a:pPr lvl="0" indent="0" marL="0">
+                        <a:buNone/>
+                      </a:pPr>
+                      <a:r>
+                        <a:rPr/>
+                        <a:t>Simpler: smooth, linear mapping between velocity and feedback.</a:t>
+                      </a:r>
+                    </a:p>
+                  </a:txBody>
+                </a:tc>
+              </a:tr>
+              <a:tr h="0">
+                <a:tc>
+                  <a:txBody>
+                    <a:bodyPr/>
+                    <a:lstStyle/>
+                    <a:p>
+                      <a:pPr lvl="0" indent="0" marL="0">
+                        <a:buNone/>
+                      </a:pPr>
+                      <a:r>
+                        <a:rPr/>
+                        <a:t>Perceptual salience of Varied Conditions</a:t>
+                      </a:r>
+                    </a:p>
+                  </a:txBody>
+                </a:tc>
+                <a:tc>
+                  <a:txBody>
+                    <a:bodyPr/>
+                    <a:lstStyle/>
+                    <a:p>
+                      <a:pPr lvl="0" indent="0" marL="0">
+                        <a:buNone/>
+                      </a:pPr>
+                      <a:r>
+                        <a:rPr/>
+                        <a:t>Varied conditions (# of throwing distances) are perceptually distinct, i.e. salient differences in distance between launching box and target.</a:t>
+                      </a:r>
+                    </a:p>
+                  </a:txBody>
+                </a:tc>
+                <a:tc>
+                  <a:txBody>
+                    <a:bodyPr/>
+                    <a:lstStyle/>
+                    <a:p>
+                      <a:pPr lvl="0" indent="0" marL="0">
+                        <a:buNone/>
+                      </a:pPr>
+                      <a:r>
+                        <a:rPr/>
+                        <a:t>Varied conditions (# of velocity bands) are less salient - only difference is the numeral displayed on screen.</a:t>
+                      </a:r>
+                    </a:p>
+                  </a:txBody>
+                </a:tc>
+              </a:tr>
+              <a:tr h="0">
+                <a:tc>
+                  <a:txBody>
+                    <a:bodyPr/>
+                    <a:lstStyle/>
+                    <a:p>
+                      <a:pPr lvl="0" indent="0" marL="0">
+                        <a:buNone/>
+                      </a:pPr>
+                      <a:r>
+                        <a:rPr/>
+                        <a:t>Testing Feedback</a:t>
+                      </a:r>
+                    </a:p>
+                  </a:txBody>
+                </a:tc>
+                <a:tc>
+                  <a:txBody>
+                    <a:bodyPr/>
+                    <a:lstStyle/>
+                    <a:p>
+                      <a:pPr lvl="0" indent="0" marL="0">
+                        <a:buNone/>
+                      </a:pPr>
+                      <a:r>
+                        <a:rPr/>
+                        <a:t>Testing always included feedback</a:t>
+                      </a:r>
+                    </a:p>
+                  </a:txBody>
+                </a:tc>
+                <a:tc>
+                  <a:txBody>
+                    <a:bodyPr/>
+                    <a:lstStyle/>
+                    <a:p>
+                      <a:pPr lvl="0" indent="0" marL="0">
+                        <a:buNone/>
+                      </a:pPr>
+                      <a:r>
+                        <a:rPr/>
+                        <a:t>Primary testing stage had no feedback.</a:t>
+                      </a:r>
+                    </a:p>
+                  </a:txBody>
+                </a:tc>
+              </a:tr>
+              <a:tr h="0">
+                <a:tc>
+                  <a:txBody>
+                    <a:bodyPr/>
+                    <a:lstStyle/>
+                    <a:p>
+                      <a:pPr lvl="0" indent="0" marL="0">
+                        <a:buNone/>
+                      </a:pPr>
+                      <a:r>
+                        <a:rPr/>
+                        <a:t>Potential for Learning during Testing</a:t>
+                      </a:r>
+                    </a:p>
+                  </a:txBody>
+                </a:tc>
+                <a:tc>
+                  <a:txBody>
+                    <a:bodyPr/>
+                    <a:lstStyle/>
+                    <a:p>
+                      <a:pPr lvl="0" indent="0" marL="0">
+                        <a:buNone/>
+                      </a:pPr>
+                      <a:r>
+                        <a:rPr/>
+                        <a:t>Limited potential for learning during testing due to feedback.</a:t>
+                      </a:r>
+                    </a:p>
+                  </a:txBody>
+                </a:tc>
+                <a:tc>
+                  <a:txBody>
+                    <a:bodyPr/>
+                    <a:lstStyle/>
+                    <a:p>
+                      <a:pPr lvl="0" indent="0" marL="0">
+                        <a:buNone/>
+                      </a:pPr>
+                      <a:r>
+                        <a:rPr/>
+                        <a:t>Some potential for learning during no-feedback testing by observing ball trajectory.</a:t>
+                      </a:r>
+                    </a:p>
+                  </a:txBody>
+                </a:tc>
+              </a:tr>
+              <a:tr h="0">
+                <a:tc>
+                  <a:txBody>
+                    <a:bodyPr/>
+                    <a:lstStyle/>
+                    <a:p>
+                      <a:pPr lvl="0" indent="0" marL="0">
+                        <a:buNone/>
+                      </a:pPr>
+                      <a:r>
+                        <a:rPr/>
+                        <a:t>Training Experience</a:t>
+                      </a:r>
+                    </a:p>
+                  </a:txBody>
+                </a:tc>
+                <a:tc>
+                  <a:txBody>
+                    <a:bodyPr/>
+                    <a:lstStyle/>
+                    <a:p>
+                      <a:pPr lvl="0" indent="0" marL="0">
+                        <a:buNone/>
+                      </a:pPr>
+                      <a:r>
+                        <a:rPr/>
+                        <a:t>Varied group gets half as much experience on any one position as the constant group.</a:t>
+                      </a:r>
+                    </a:p>
+                  </a:txBody>
+                </a:tc>
+                <a:tc>
+                  <a:txBody>
+                    <a:bodyPr/>
+                    <a:lstStyle/>
+                    <a:p>
+                      <a:pPr lvl="0" indent="0" marL="0">
+                        <a:buNone/>
+                      </a:pPr>
+                      <a:r>
+                        <a:rPr/>
+                        <a:t>Varied group gets 1/3 as much experience on any one velocity band as the constant group.</a:t>
+                      </a:r>
+                    </a:p>
+                  </a:txBody>
+                </a:tc>
+              </a:tr>
+              <a:tr h="0">
+                <a:tc>
+                  <a:txBody>
+                    <a:bodyPr/>
+                    <a:lstStyle/>
+                    <a:p>
+                      <a:pPr lvl="0" indent="0" marL="0">
+                        <a:buNone/>
+                      </a:pPr>
+                      <a:r>
+                        <a:rPr/>
+                        <a:t>Testing Structure</a:t>
+                      </a:r>
+                    </a:p>
+                  </a:txBody>
+                </a:tc>
+                <a:tc>
+                  <a:txBody>
+                    <a:bodyPr/>
+                    <a:lstStyle/>
+                    <a:p>
+                      <a:pPr lvl="0" indent="0" marL="0">
+                        <a:buNone/>
+                      </a:pPr>
+                      <a:r>
+                        <a:rPr/>
+                        <a:t>Random interleaving of trained/transfer testing distances.</a:t>
+                      </a:r>
+                    </a:p>
+                  </a:txBody>
+                </a:tc>
+                <a:tc>
+                  <a:txBody>
+                    <a:bodyPr/>
+                    <a:lstStyle/>
+                    <a:p>
+                      <a:pPr lvl="0" indent="0" marL="0">
+                        <a:buNone/>
+                      </a:pPr>
+                      <a:r>
+                        <a:rPr/>
+                        <a:t>Blocked structure, separately testing trained vs extrapolation testing bands.</a:t>
+                      </a:r>
+                    </a:p>
+                  </a:txBody>
+                </a:tc>
+              </a:tr>
+            </a:tbl>
+          </a:graphicData>
+        </a:graphic>
+      </p:graphicFrame>
     </p:spTree>
   </p:cSld>
 </p:sld>
 </file>
 
-<file path=ppt/slides/slide14.xml><?xml version="1.0" encoding="utf-8"?>
+<file path=ppt/slides/slide17.xml><?xml version="1.0" encoding="utf-8"?>
 <p:sld xmlns:a="http://schemas.openxmlformats.org/drawingml/2006/main" xmlns:r="http://schemas.openxmlformats.org/officeDocument/2006/relationships" xmlns:p="http://schemas.openxmlformats.org/presentationml/2006/main">
   <p:cSld>
     <p:spTree>
@@ -3885,12 +4948,12 @@
       </p:grpSpPr>
       <p:sp>
         <p:nvSpPr>
-          <p:cNvPr id="2" name="Title 1"/>
+          <p:cNvPr id="3" name="Content Placeholder 2"/>
           <p:cNvSpPr>
             <a:spLocks noGrp="1"/>
           </p:cNvSpPr>
           <p:nvPr>
-            <p:ph type="title"/>
+            <p:ph idx="1"/>
           </p:nvPr>
         </p:nvSpPr>
         <p:spPr/>
@@ -3899,48 +4962,28 @@
           <a:lstStyle/>
           <a:p>
             <a:pPr lvl="0" indent="0" marL="0">
+              <a:spcBef>
+                <a:spcPts val="3000"/>
+              </a:spcBef>
               <a:buNone/>
             </a:pPr>
             <a:r>
+              <a:rPr b="1"/>
+              <a:t>Theoretical Contributions</a:t>
+            </a:r>
+          </a:p>
+          <a:p>
+            <a:pPr lvl="0"/>
+            <a:r>
               <a:rPr/>
-              <a:t>General Discussion</a:t>
-            </a:r>
-          </a:p>
-        </p:txBody>
-      </p:sp>
-      <p:sp>
-        <p:nvSpPr>
-          <p:cNvPr id="3" name="Content Placeholder 2"/>
-          <p:cNvSpPr>
-            <a:spLocks noGrp="1"/>
-          </p:cNvSpPr>
-          <p:nvPr>
-            <p:ph idx="1"/>
-          </p:nvPr>
-        </p:nvSpPr>
-        <p:spPr/>
-        <p:txBody>
-          <a:bodyPr/>
-          <a:lstStyle/>
+              <a:t>Insights into training variability effects on learning and generalization</a:t>
+            </a:r>
+          </a:p>
           <a:p>
             <a:pPr lvl="0"/>
             <a:r>
               <a:rPr/>
-              <a:t>Compare HTT and HTW</a:t>
-            </a:r>
-          </a:p>
-          <a:p>
-            <a:pPr lvl="0"/>
-            <a:r>
-              <a:rPr/>
-              <a:t>Empirical findings summary</a:t>
-            </a:r>
-          </a:p>
-          <a:p>
-            <a:pPr lvl="0"/>
-            <a:r>
-              <a:rPr/>
-              <a:t>Computational modeling contributions</a:t>
+              <a:t>Computational models applications</a:t>
             </a:r>
           </a:p>
         </p:txBody>
@@ -3983,7 +5026,7 @@
                                         <p:tgtEl>
                                           <p:spTgt spid="3">
                                             <p:txEl>
-                                              <p:pRg st="0" end="0"/>
+                                              <p:pRg st="1" end="1"/>
                                             </p:txEl>
                                           </p:spTgt>
                                         </p:tgtEl>
@@ -4025,55 +5068,6 @@
                                     <p:set>
                                       <p:cBhvr>
                                         <p:cTn id="10" dur="1" fill="hold">
-                                          <p:stCondLst>
-                                            <p:cond delay="0"/>
-                                          </p:stCondLst>
-                                        </p:cTn>
-                                        <p:tgtEl>
-                                          <p:spTgt spid="3">
-                                            <p:txEl>
-                                              <p:pRg st="1" end="1"/>
-                                            </p:txEl>
-                                          </p:spTgt>
-                                        </p:tgtEl>
-                                        <p:attrNameLst>
-                                          <p:attrName>style.visibility</p:attrName>
-                                        </p:attrNameLst>
-                                      </p:cBhvr>
-                                      <p:to>
-                                        <p:strVal val="visible"/>
-                                      </p:to>
-                                    </p:set>
-                                  </p:childTnLst>
-                                </p:cTn>
-                              </p:par>
-                            </p:childTnLst>
-                          </p:cTn>
-                        </p:par>
-                      </p:childTnLst>
-                    </p:cTn>
-                  </p:par>
-                  <p:par>
-                    <p:cTn id="11" fill="hold">
-                      <p:stCondLst>
-                        <p:cond delay="indefinite"/>
-                      </p:stCondLst>
-                      <p:childTnLst>
-                        <p:par>
-                          <p:cTn id="12" fill="hold">
-                            <p:stCondLst>
-                              <p:cond delay="0"/>
-                            </p:stCondLst>
-                            <p:childTnLst>
-                              <p:par>
-                                <p:cTn id="13" presetID="1" presetClass="entr" presetSubtype="0" fill="hold" grpId="0" nodeType="clickEffect">
-                                  <p:stCondLst>
-                                    <p:cond delay="0"/>
-                                  </p:stCondLst>
-                                  <p:childTnLst>
-                                    <p:set>
-                                      <p:cBhvr>
-                                        <p:cTn id="14" dur="1" fill="hold">
                                           <p:stCondLst>
                                             <p:cond delay="0"/>
                                           </p:stCondLst>
@@ -4130,7 +5124,397 @@
 </p:sld>
 </file>
 
-<file path=ppt/slides/slide15.xml><?xml version="1.0" encoding="utf-8"?>
+<file path=ppt/slides/slide18.xml><?xml version="1.0" encoding="utf-8"?>
+<p:sld xmlns:a="http://schemas.openxmlformats.org/drawingml/2006/main" xmlns:r="http://schemas.openxmlformats.org/officeDocument/2006/relationships" xmlns:p="http://schemas.openxmlformats.org/presentationml/2006/main">
+  <p:cSld>
+    <p:spTree>
+      <p:nvGrpSpPr>
+        <p:cNvPr id="1" name=""/>
+        <p:cNvGrpSpPr/>
+        <p:nvPr/>
+      </p:nvGrpSpPr>
+      <p:grpSpPr>
+        <a:xfrm>
+          <a:off x="0" y="0"/>
+          <a:ext cx="0" cy="0"/>
+          <a:chOff x="0" y="0"/>
+          <a:chExt cx="0" cy="0"/>
+        </a:xfrm>
+      </p:grpSpPr>
+      <p:sp>
+        <p:nvSpPr>
+          <p:cNvPr id="3" name="Content Placeholder 2"/>
+          <p:cNvSpPr>
+            <a:spLocks noGrp="1"/>
+          </p:cNvSpPr>
+          <p:nvPr>
+            <p:ph idx="1"/>
+          </p:nvPr>
+        </p:nvSpPr>
+        <p:spPr/>
+        <p:txBody>
+          <a:bodyPr/>
+          <a:lstStyle/>
+          <a:p>
+            <a:pPr lvl="0" indent="0" marL="0">
+              <a:spcBef>
+                <a:spcPts val="3000"/>
+              </a:spcBef>
+              <a:buNone/>
+            </a:pPr>
+            <a:r>
+              <a:rPr b="1"/>
+              <a:t>Practical Implications</a:t>
+            </a:r>
+          </a:p>
+          <a:p>
+            <a:pPr lvl="0"/>
+            <a:r>
+              <a:rPr/>
+              <a:t>Training programs design implications</a:t>
+            </a:r>
+          </a:p>
+          <a:p>
+            <a:pPr lvl="0"/>
+            <a:r>
+              <a:rPr/>
+              <a:t>Future research considerations</a:t>
+            </a:r>
+          </a:p>
+        </p:txBody>
+      </p:sp>
+    </p:spTree>
+  </p:cSld>
+  <p:timing>
+    <p:tnLst>
+      <p:par>
+        <p:cTn id="1" dur="indefinite" restart="never" nodeType="tmRoot">
+          <p:childTnLst>
+            <p:seq concurrent="1" nextAc="seek">
+              <p:cTn id="2" dur="indefinite" nodeType="mainSeq">
+                <p:childTnLst>
+                  <p:par>
+                    <p:cTn id="3" fill="hold">
+                      <p:stCondLst>
+                        <p:cond delay="indefinite"/>
+                      </p:stCondLst>
+                      <p:childTnLst>
+                        <p:par>
+                          <p:cTn id="4" fill="hold">
+                            <p:stCondLst>
+                              <p:cond delay="0"/>
+                            </p:stCondLst>
+                            <p:childTnLst>
+                              <p:par>
+                                <p:cTn id="5" presetID="1" presetClass="entr" presetSubtype="0" fill="hold" grpId="0" nodeType="clickEffect">
+                                  <p:stCondLst>
+                                    <p:cond delay="0"/>
+                                  </p:stCondLst>
+                                  <p:childTnLst>
+                                    <p:set>
+                                      <p:cBhvr>
+                                        <p:cTn id="6" dur="1" fill="hold">
+                                          <p:stCondLst>
+                                            <p:cond delay="0"/>
+                                          </p:stCondLst>
+                                        </p:cTn>
+                                        <p:tgtEl>
+                                          <p:spTgt spid="3">
+                                            <p:txEl>
+                                              <p:pRg st="1" end="1"/>
+                                            </p:txEl>
+                                          </p:spTgt>
+                                        </p:tgtEl>
+                                        <p:attrNameLst>
+                                          <p:attrName>style.visibility</p:attrName>
+                                        </p:attrNameLst>
+                                      </p:cBhvr>
+                                      <p:to>
+                                        <p:strVal val="visible"/>
+                                      </p:to>
+                                    </p:set>
+                                  </p:childTnLst>
+                                </p:cTn>
+                              </p:par>
+                            </p:childTnLst>
+                          </p:cTn>
+                        </p:par>
+                      </p:childTnLst>
+                    </p:cTn>
+                  </p:par>
+                  <p:par>
+                    <p:cTn id="7" fill="hold">
+                      <p:stCondLst>
+                        <p:cond delay="indefinite"/>
+                      </p:stCondLst>
+                      <p:childTnLst>
+                        <p:par>
+                          <p:cTn id="8" fill="hold">
+                            <p:stCondLst>
+                              <p:cond delay="0"/>
+                            </p:stCondLst>
+                            <p:childTnLst>
+                              <p:par>
+                                <p:cTn id="9" presetID="1" presetClass="entr" presetSubtype="0" fill="hold" grpId="0" nodeType="clickEffect">
+                                  <p:stCondLst>
+                                    <p:cond delay="0"/>
+                                  </p:stCondLst>
+                                  <p:childTnLst>
+                                    <p:set>
+                                      <p:cBhvr>
+                                        <p:cTn id="10" dur="1" fill="hold">
+                                          <p:stCondLst>
+                                            <p:cond delay="0"/>
+                                          </p:stCondLst>
+                                        </p:cTn>
+                                        <p:tgtEl>
+                                          <p:spTgt spid="3">
+                                            <p:txEl>
+                                              <p:pRg st="2" end="2"/>
+                                            </p:txEl>
+                                          </p:spTgt>
+                                        </p:tgtEl>
+                                        <p:attrNameLst>
+                                          <p:attrName>style.visibility</p:attrName>
+                                        </p:attrNameLst>
+                                      </p:cBhvr>
+                                      <p:to>
+                                        <p:strVal val="visible"/>
+                                      </p:to>
+                                    </p:set>
+                                  </p:childTnLst>
+                                </p:cTn>
+                              </p:par>
+                            </p:childTnLst>
+                          </p:cTn>
+                        </p:par>
+                      </p:childTnLst>
+                    </p:cTn>
+                  </p:par>
+                </p:childTnLst>
+              </p:cTn>
+              <p:prevCondLst>
+                <p:cond evt="onPrev" delay="0">
+                  <p:tgtEl>
+                    <p:sldTgt/>
+                  </p:tgtEl>
+                </p:cond>
+              </p:prevCondLst>
+              <p:nextCondLst>
+                <p:cond evt="onNext" delay="0">
+                  <p:tgtEl>
+                    <p:sldTgt/>
+                  </p:tgtEl>
+                </p:cond>
+              </p:nextCondLst>
+            </p:seq>
+          </p:childTnLst>
+        </p:cTn>
+      </p:par>
+    </p:tnLst>
+    <p:bldLst>
+      <p:bldP spid="3" grpId="0" uiExpand="1" build="p"/>
+    </p:bldLst>
+  </p:timing>
+</p:sld>
+</file>
+
+<file path=ppt/slides/slide19.xml><?xml version="1.0" encoding="utf-8"?>
+<p:sld xmlns:a="http://schemas.openxmlformats.org/drawingml/2006/main" xmlns:r="http://schemas.openxmlformats.org/officeDocument/2006/relationships" xmlns:p="http://schemas.openxmlformats.org/presentationml/2006/main">
+  <p:cSld>
+    <p:spTree>
+      <p:nvGrpSpPr>
+        <p:cNvPr id="1" name=""/>
+        <p:cNvGrpSpPr/>
+        <p:nvPr/>
+      </p:nvGrpSpPr>
+      <p:grpSpPr>
+        <a:xfrm>
+          <a:off x="0" y="0"/>
+          <a:ext cx="0" cy="0"/>
+          <a:chOff x="0" y="0"/>
+          <a:chExt cx="0" cy="0"/>
+        </a:xfrm>
+      </p:grpSpPr>
+      <p:sp>
+        <p:nvSpPr>
+          <p:cNvPr id="3" name="Content Placeholder 2"/>
+          <p:cNvSpPr>
+            <a:spLocks noGrp="1"/>
+          </p:cNvSpPr>
+          <p:nvPr>
+            <p:ph idx="1"/>
+          </p:nvPr>
+        </p:nvSpPr>
+        <p:spPr/>
+        <p:txBody>
+          <a:bodyPr/>
+          <a:lstStyle/>
+          <a:p>
+            <a:pPr lvl="0" indent="0" marL="0">
+              <a:spcBef>
+                <a:spcPts val="3000"/>
+              </a:spcBef>
+              <a:buNone/>
+            </a:pPr>
+            <a:r>
+              <a:rPr b="1"/>
+              <a:t>Limitations and Future Directions</a:t>
+            </a:r>
+          </a:p>
+          <a:p>
+            <a:pPr lvl="0"/>
+            <a:r>
+              <a:rPr/>
+              <a:t>Study limitations</a:t>
+            </a:r>
+          </a:p>
+          <a:p>
+            <a:pPr lvl="0"/>
+            <a:r>
+              <a:rPr/>
+              <a:t>Future research suggestions</a:t>
+            </a:r>
+          </a:p>
+        </p:txBody>
+      </p:sp>
+    </p:spTree>
+  </p:cSld>
+  <p:timing>
+    <p:tnLst>
+      <p:par>
+        <p:cTn id="1" dur="indefinite" restart="never" nodeType="tmRoot">
+          <p:childTnLst>
+            <p:seq concurrent="1" nextAc="seek">
+              <p:cTn id="2" dur="indefinite" nodeType="mainSeq">
+                <p:childTnLst>
+                  <p:par>
+                    <p:cTn id="3" fill="hold">
+                      <p:stCondLst>
+                        <p:cond delay="indefinite"/>
+                      </p:stCondLst>
+                      <p:childTnLst>
+                        <p:par>
+                          <p:cTn id="4" fill="hold">
+                            <p:stCondLst>
+                              <p:cond delay="0"/>
+                            </p:stCondLst>
+                            <p:childTnLst>
+                              <p:par>
+                                <p:cTn id="5" presetID="1" presetClass="entr" presetSubtype="0" fill="hold" grpId="0" nodeType="clickEffect">
+                                  <p:stCondLst>
+                                    <p:cond delay="0"/>
+                                  </p:stCondLst>
+                                  <p:childTnLst>
+                                    <p:set>
+                                      <p:cBhvr>
+                                        <p:cTn id="6" dur="1" fill="hold">
+                                          <p:stCondLst>
+                                            <p:cond delay="0"/>
+                                          </p:stCondLst>
+                                        </p:cTn>
+                                        <p:tgtEl>
+                                          <p:spTgt spid="3">
+                                            <p:txEl>
+                                              <p:pRg st="1" end="1"/>
+                                            </p:txEl>
+                                          </p:spTgt>
+                                        </p:tgtEl>
+                                        <p:attrNameLst>
+                                          <p:attrName>style.visibility</p:attrName>
+                                        </p:attrNameLst>
+                                      </p:cBhvr>
+                                      <p:to>
+                                        <p:strVal val="visible"/>
+                                      </p:to>
+                                    </p:set>
+                                  </p:childTnLst>
+                                </p:cTn>
+                              </p:par>
+                            </p:childTnLst>
+                          </p:cTn>
+                        </p:par>
+                      </p:childTnLst>
+                    </p:cTn>
+                  </p:par>
+                  <p:par>
+                    <p:cTn id="7" fill="hold">
+                      <p:stCondLst>
+                        <p:cond delay="indefinite"/>
+                      </p:stCondLst>
+                      <p:childTnLst>
+                        <p:par>
+                          <p:cTn id="8" fill="hold">
+                            <p:stCondLst>
+                              <p:cond delay="0"/>
+                            </p:stCondLst>
+                            <p:childTnLst>
+                              <p:par>
+                                <p:cTn id="9" presetID="1" presetClass="entr" presetSubtype="0" fill="hold" grpId="0" nodeType="clickEffect">
+                                  <p:stCondLst>
+                                    <p:cond delay="0"/>
+                                  </p:stCondLst>
+                                  <p:childTnLst>
+                                    <p:set>
+                                      <p:cBhvr>
+                                        <p:cTn id="10" dur="1" fill="hold">
+                                          <p:stCondLst>
+                                            <p:cond delay="0"/>
+                                          </p:stCondLst>
+                                        </p:cTn>
+                                        <p:tgtEl>
+                                          <p:spTgt spid="3">
+                                            <p:txEl>
+                                              <p:pRg st="2" end="2"/>
+                                            </p:txEl>
+                                          </p:spTgt>
+                                        </p:tgtEl>
+                                        <p:attrNameLst>
+                                          <p:attrName>style.visibility</p:attrName>
+                                        </p:attrNameLst>
+                                      </p:cBhvr>
+                                      <p:to>
+                                        <p:strVal val="visible"/>
+                                      </p:to>
+                                    </p:set>
+                                  </p:childTnLst>
+                                </p:cTn>
+                              </p:par>
+                            </p:childTnLst>
+                          </p:cTn>
+                        </p:par>
+                      </p:childTnLst>
+                    </p:cTn>
+                  </p:par>
+                </p:childTnLst>
+              </p:cTn>
+              <p:prevCondLst>
+                <p:cond evt="onPrev" delay="0">
+                  <p:tgtEl>
+                    <p:sldTgt/>
+                  </p:tgtEl>
+                </p:cond>
+              </p:prevCondLst>
+              <p:nextCondLst>
+                <p:cond evt="onNext" delay="0">
+                  <p:tgtEl>
+                    <p:sldTgt/>
+                  </p:tgtEl>
+                </p:cond>
+              </p:nextCondLst>
+            </p:seq>
+          </p:childTnLst>
+        </p:cTn>
+      </p:par>
+    </p:tnLst>
+    <p:bldLst>
+      <p:bldP spid="3" grpId="0" uiExpand="1" build="p"/>
+    </p:bldLst>
+  </p:timing>
+</p:sld>
+</file>
+
+<file path=ppt/slides/slide2.xml><?xml version="1.0" encoding="utf-8"?>
 <p:sld xmlns:a="http://schemas.openxmlformats.org/drawingml/2006/main" xmlns:r="http://schemas.openxmlformats.org/officeDocument/2006/relationships" xmlns:p="http://schemas.openxmlformats.org/presentationml/2006/main">
   <p:cSld>
     <p:spTree>
@@ -4167,7 +5551,7 @@
             </a:pPr>
             <a:r>
               <a:rPr/>
-              <a:t>Theoretical Contributions</a:t>
+              <a:t>Introduction</a:t>
             </a:r>
           </a:p>
         </p:txBody>
@@ -4190,14 +5574,14 @@
             <a:pPr lvl="0"/>
             <a:r>
               <a:rPr/>
-              <a:t>Insights into training variability effects on learning and generalization</a:t>
+              <a:t>Investigate effects of training variability on learning and generalization</a:t>
             </a:r>
           </a:p>
           <a:p>
             <a:pPr lvl="0"/>
             <a:r>
               <a:rPr/>
-              <a:t>Computational models applications</a:t>
+              <a:t>Focus areas: visuomotor skill learning and function learning tasks</a:t>
             </a:r>
           </a:p>
         </p:txBody>
@@ -4338,7 +5722,7 @@
 </p:sld>
 </file>
 
-<file path=ppt/slides/slide16.xml><?xml version="1.0" encoding="utf-8"?>
+<file path=ppt/slides/slide20.xml><?xml version="1.0" encoding="utf-8"?>
 <p:sld xmlns:a="http://schemas.openxmlformats.org/drawingml/2006/main" xmlns:r="http://schemas.openxmlformats.org/officeDocument/2006/relationships" xmlns:p="http://schemas.openxmlformats.org/presentationml/2006/main">
   <p:cSld>
     <p:spTree>
@@ -4357,12 +5741,12 @@
       </p:grpSpPr>
       <p:sp>
         <p:nvSpPr>
-          <p:cNvPr id="2" name="Title 1"/>
+          <p:cNvPr id="3" name="Content Placeholder 2"/>
           <p:cNvSpPr>
             <a:spLocks noGrp="1"/>
           </p:cNvSpPr>
           <p:nvPr>
-            <p:ph type="title"/>
+            <p:ph idx="1"/>
           </p:nvPr>
         </p:nvSpPr>
         <p:spPr/>
@@ -4371,41 +5755,28 @@
           <a:lstStyle/>
           <a:p>
             <a:pPr lvl="0" indent="0" marL="0">
+              <a:spcBef>
+                <a:spcPts val="3000"/>
+              </a:spcBef>
               <a:buNone/>
             </a:pPr>
             <a:r>
+              <a:rPr b="1"/>
+              <a:t>Conclusion</a:t>
+            </a:r>
+          </a:p>
+          <a:p>
+            <a:pPr lvl="0"/>
+            <a:r>
               <a:rPr/>
-              <a:t>Practical Implications</a:t>
-            </a:r>
-          </a:p>
-        </p:txBody>
-      </p:sp>
-      <p:sp>
-        <p:nvSpPr>
-          <p:cNvPr id="3" name="Content Placeholder 2"/>
-          <p:cNvSpPr>
-            <a:spLocks noGrp="1"/>
-          </p:cNvSpPr>
-          <p:nvPr>
-            <p:ph idx="1"/>
-          </p:nvPr>
-        </p:nvSpPr>
-        <p:spPr/>
-        <p:txBody>
-          <a:bodyPr/>
-          <a:lstStyle/>
+              <a:t>Recap of key findings</a:t>
+            </a:r>
+          </a:p>
           <a:p>
             <a:pPr lvl="0"/>
             <a:r>
               <a:rPr/>
-              <a:t>Training programs design implications</a:t>
-            </a:r>
-          </a:p>
-          <a:p>
-            <a:pPr lvl="0"/>
-            <a:r>
-              <a:rPr/>
-              <a:t>Future research considerations</a:t>
+              <a:t>Final thoughts on training variability’s role in learning</a:t>
             </a:r>
           </a:p>
         </p:txBody>
@@ -4448,7 +5819,7 @@
                                         <p:tgtEl>
                                           <p:spTgt spid="3">
                                             <p:txEl>
-                                              <p:pRg st="0" end="0"/>
+                                              <p:pRg st="1" end="1"/>
                                             </p:txEl>
                                           </p:spTgt>
                                         </p:tgtEl>
@@ -4497,7 +5868,7 @@
                                         <p:tgtEl>
                                           <p:spTgt spid="3">
                                             <p:txEl>
-                                              <p:pRg st="1" end="1"/>
+                                              <p:pRg st="2" end="2"/>
                                             </p:txEl>
                                           </p:spTgt>
                                         </p:tgtEl>
@@ -4546,7 +5917,7 @@
 </p:sld>
 </file>
 
-<file path=ppt/slides/slide17.xml><?xml version="1.0" encoding="utf-8"?>
+<file path=ppt/slides/slide21.xml><?xml version="1.0" encoding="utf-8"?>
 <p:sld xmlns:a="http://schemas.openxmlformats.org/drawingml/2006/main" xmlns:r="http://schemas.openxmlformats.org/officeDocument/2006/relationships" xmlns:p="http://schemas.openxmlformats.org/presentationml/2006/main">
   <p:cSld>
     <p:spTree>
@@ -4565,12 +5936,12 @@
       </p:grpSpPr>
       <p:sp>
         <p:nvSpPr>
-          <p:cNvPr id="2" name="Title 1"/>
+          <p:cNvPr id="3" name="Content Placeholder 2"/>
           <p:cNvSpPr>
             <a:spLocks noGrp="1"/>
           </p:cNvSpPr>
           <p:nvPr>
-            <p:ph type="title"/>
+            <p:ph idx="1"/>
           </p:nvPr>
         </p:nvSpPr>
         <p:spPr/>
@@ -4579,41 +5950,21 @@
           <a:lstStyle/>
           <a:p>
             <a:pPr lvl="0" indent="0" marL="0">
+              <a:spcBef>
+                <a:spcPts val="3000"/>
+              </a:spcBef>
               <a:buNone/>
             </a:pPr>
             <a:r>
+              <a:rPr b="1"/>
+              <a:t>Questions and Discussion</a:t>
+            </a:r>
+          </a:p>
+          <a:p>
+            <a:pPr lvl="0"/>
+            <a:r>
               <a:rPr/>
-              <a:t>Limitations and Future Directions</a:t>
-            </a:r>
-          </a:p>
-        </p:txBody>
-      </p:sp>
-      <p:sp>
-        <p:nvSpPr>
-          <p:cNvPr id="3" name="Content Placeholder 2"/>
-          <p:cNvSpPr>
-            <a:spLocks noGrp="1"/>
-          </p:cNvSpPr>
-          <p:nvPr>
-            <p:ph idx="1"/>
-          </p:nvPr>
-        </p:nvSpPr>
-        <p:spPr/>
-        <p:txBody>
-          <a:bodyPr/>
-          <a:lstStyle/>
-          <a:p>
-            <a:pPr lvl="0"/>
-            <a:r>
-              <a:rPr/>
-              <a:t>Study limitations</a:t>
-            </a:r>
-          </a:p>
-          <a:p>
-            <a:pPr lvl="0"/>
-            <a:r>
-              <a:rPr/>
-              <a:t>Future research suggestions</a:t>
+              <a:t>Open floor for questions from the committee and audience</a:t>
             </a:r>
           </a:p>
         </p:txBody>
@@ -4649,623 +6000,6 @@
                                     <p:set>
                                       <p:cBhvr>
                                         <p:cTn id="6" dur="1" fill="hold">
-                                          <p:stCondLst>
-                                            <p:cond delay="0"/>
-                                          </p:stCondLst>
-                                        </p:cTn>
-                                        <p:tgtEl>
-                                          <p:spTgt spid="3">
-                                            <p:txEl>
-                                              <p:pRg st="0" end="0"/>
-                                            </p:txEl>
-                                          </p:spTgt>
-                                        </p:tgtEl>
-                                        <p:attrNameLst>
-                                          <p:attrName>style.visibility</p:attrName>
-                                        </p:attrNameLst>
-                                      </p:cBhvr>
-                                      <p:to>
-                                        <p:strVal val="visible"/>
-                                      </p:to>
-                                    </p:set>
-                                  </p:childTnLst>
-                                </p:cTn>
-                              </p:par>
-                            </p:childTnLst>
-                          </p:cTn>
-                        </p:par>
-                      </p:childTnLst>
-                    </p:cTn>
-                  </p:par>
-                  <p:par>
-                    <p:cTn id="7" fill="hold">
-                      <p:stCondLst>
-                        <p:cond delay="indefinite"/>
-                      </p:stCondLst>
-                      <p:childTnLst>
-                        <p:par>
-                          <p:cTn id="8" fill="hold">
-                            <p:stCondLst>
-                              <p:cond delay="0"/>
-                            </p:stCondLst>
-                            <p:childTnLst>
-                              <p:par>
-                                <p:cTn id="9" presetID="1" presetClass="entr" presetSubtype="0" fill="hold" grpId="0" nodeType="clickEffect">
-                                  <p:stCondLst>
-                                    <p:cond delay="0"/>
-                                  </p:stCondLst>
-                                  <p:childTnLst>
-                                    <p:set>
-                                      <p:cBhvr>
-                                        <p:cTn id="10" dur="1" fill="hold">
-                                          <p:stCondLst>
-                                            <p:cond delay="0"/>
-                                          </p:stCondLst>
-                                        </p:cTn>
-                                        <p:tgtEl>
-                                          <p:spTgt spid="3">
-                                            <p:txEl>
-                                              <p:pRg st="1" end="1"/>
-                                            </p:txEl>
-                                          </p:spTgt>
-                                        </p:tgtEl>
-                                        <p:attrNameLst>
-                                          <p:attrName>style.visibility</p:attrName>
-                                        </p:attrNameLst>
-                                      </p:cBhvr>
-                                      <p:to>
-                                        <p:strVal val="visible"/>
-                                      </p:to>
-                                    </p:set>
-                                  </p:childTnLst>
-                                </p:cTn>
-                              </p:par>
-                            </p:childTnLst>
-                          </p:cTn>
-                        </p:par>
-                      </p:childTnLst>
-                    </p:cTn>
-                  </p:par>
-                </p:childTnLst>
-              </p:cTn>
-              <p:prevCondLst>
-                <p:cond evt="onPrev" delay="0">
-                  <p:tgtEl>
-                    <p:sldTgt/>
-                  </p:tgtEl>
-                </p:cond>
-              </p:prevCondLst>
-              <p:nextCondLst>
-                <p:cond evt="onNext" delay="0">
-                  <p:tgtEl>
-                    <p:sldTgt/>
-                  </p:tgtEl>
-                </p:cond>
-              </p:nextCondLst>
-            </p:seq>
-          </p:childTnLst>
-        </p:cTn>
-      </p:par>
-    </p:tnLst>
-    <p:bldLst>
-      <p:bldP spid="3" grpId="0" uiExpand="1" build="p"/>
-    </p:bldLst>
-  </p:timing>
-</p:sld>
-</file>
-
-<file path=ppt/slides/slide18.xml><?xml version="1.0" encoding="utf-8"?>
-<p:sld xmlns:a="http://schemas.openxmlformats.org/drawingml/2006/main" xmlns:r="http://schemas.openxmlformats.org/officeDocument/2006/relationships" xmlns:p="http://schemas.openxmlformats.org/presentationml/2006/main">
-  <p:cSld>
-    <p:spTree>
-      <p:nvGrpSpPr>
-        <p:cNvPr id="1" name=""/>
-        <p:cNvGrpSpPr/>
-        <p:nvPr/>
-      </p:nvGrpSpPr>
-      <p:grpSpPr>
-        <a:xfrm>
-          <a:off x="0" y="0"/>
-          <a:ext cx="0" cy="0"/>
-          <a:chOff x="0" y="0"/>
-          <a:chExt cx="0" cy="0"/>
-        </a:xfrm>
-      </p:grpSpPr>
-      <p:sp>
-        <p:nvSpPr>
-          <p:cNvPr id="2" name="Title 1"/>
-          <p:cNvSpPr>
-            <a:spLocks noGrp="1"/>
-          </p:cNvSpPr>
-          <p:nvPr>
-            <p:ph type="title"/>
-          </p:nvPr>
-        </p:nvSpPr>
-        <p:spPr/>
-        <p:txBody>
-          <a:bodyPr/>
-          <a:lstStyle/>
-          <a:p>
-            <a:pPr lvl="0" indent="0" marL="0">
-              <a:buNone/>
-            </a:pPr>
-            <a:r>
-              <a:rPr/>
-              <a:t>Conclusion</a:t>
-            </a:r>
-          </a:p>
-        </p:txBody>
-      </p:sp>
-      <p:sp>
-        <p:nvSpPr>
-          <p:cNvPr id="3" name="Content Placeholder 2"/>
-          <p:cNvSpPr>
-            <a:spLocks noGrp="1"/>
-          </p:cNvSpPr>
-          <p:nvPr>
-            <p:ph idx="1"/>
-          </p:nvPr>
-        </p:nvSpPr>
-        <p:spPr/>
-        <p:txBody>
-          <a:bodyPr/>
-          <a:lstStyle/>
-          <a:p>
-            <a:pPr lvl="0"/>
-            <a:r>
-              <a:rPr/>
-              <a:t>Recap of key findings</a:t>
-            </a:r>
-          </a:p>
-          <a:p>
-            <a:pPr lvl="0"/>
-            <a:r>
-              <a:rPr/>
-              <a:t>Final thoughts on training variability’s role in learning</a:t>
-            </a:r>
-          </a:p>
-        </p:txBody>
-      </p:sp>
-    </p:spTree>
-  </p:cSld>
-  <p:timing>
-    <p:tnLst>
-      <p:par>
-        <p:cTn id="1" dur="indefinite" restart="never" nodeType="tmRoot">
-          <p:childTnLst>
-            <p:seq concurrent="1" nextAc="seek">
-              <p:cTn id="2" dur="indefinite" nodeType="mainSeq">
-                <p:childTnLst>
-                  <p:par>
-                    <p:cTn id="3" fill="hold">
-                      <p:stCondLst>
-                        <p:cond delay="indefinite"/>
-                      </p:stCondLst>
-                      <p:childTnLst>
-                        <p:par>
-                          <p:cTn id="4" fill="hold">
-                            <p:stCondLst>
-                              <p:cond delay="0"/>
-                            </p:stCondLst>
-                            <p:childTnLst>
-                              <p:par>
-                                <p:cTn id="5" presetID="1" presetClass="entr" presetSubtype="0" fill="hold" grpId="0" nodeType="clickEffect">
-                                  <p:stCondLst>
-                                    <p:cond delay="0"/>
-                                  </p:stCondLst>
-                                  <p:childTnLst>
-                                    <p:set>
-                                      <p:cBhvr>
-                                        <p:cTn id="6" dur="1" fill="hold">
-                                          <p:stCondLst>
-                                            <p:cond delay="0"/>
-                                          </p:stCondLst>
-                                        </p:cTn>
-                                        <p:tgtEl>
-                                          <p:spTgt spid="3">
-                                            <p:txEl>
-                                              <p:pRg st="0" end="0"/>
-                                            </p:txEl>
-                                          </p:spTgt>
-                                        </p:tgtEl>
-                                        <p:attrNameLst>
-                                          <p:attrName>style.visibility</p:attrName>
-                                        </p:attrNameLst>
-                                      </p:cBhvr>
-                                      <p:to>
-                                        <p:strVal val="visible"/>
-                                      </p:to>
-                                    </p:set>
-                                  </p:childTnLst>
-                                </p:cTn>
-                              </p:par>
-                            </p:childTnLst>
-                          </p:cTn>
-                        </p:par>
-                      </p:childTnLst>
-                    </p:cTn>
-                  </p:par>
-                  <p:par>
-                    <p:cTn id="7" fill="hold">
-                      <p:stCondLst>
-                        <p:cond delay="indefinite"/>
-                      </p:stCondLst>
-                      <p:childTnLst>
-                        <p:par>
-                          <p:cTn id="8" fill="hold">
-                            <p:stCondLst>
-                              <p:cond delay="0"/>
-                            </p:stCondLst>
-                            <p:childTnLst>
-                              <p:par>
-                                <p:cTn id="9" presetID="1" presetClass="entr" presetSubtype="0" fill="hold" grpId="0" nodeType="clickEffect">
-                                  <p:stCondLst>
-                                    <p:cond delay="0"/>
-                                  </p:stCondLst>
-                                  <p:childTnLst>
-                                    <p:set>
-                                      <p:cBhvr>
-                                        <p:cTn id="10" dur="1" fill="hold">
-                                          <p:stCondLst>
-                                            <p:cond delay="0"/>
-                                          </p:stCondLst>
-                                        </p:cTn>
-                                        <p:tgtEl>
-                                          <p:spTgt spid="3">
-                                            <p:txEl>
-                                              <p:pRg st="1" end="1"/>
-                                            </p:txEl>
-                                          </p:spTgt>
-                                        </p:tgtEl>
-                                        <p:attrNameLst>
-                                          <p:attrName>style.visibility</p:attrName>
-                                        </p:attrNameLst>
-                                      </p:cBhvr>
-                                      <p:to>
-                                        <p:strVal val="visible"/>
-                                      </p:to>
-                                    </p:set>
-                                  </p:childTnLst>
-                                </p:cTn>
-                              </p:par>
-                            </p:childTnLst>
-                          </p:cTn>
-                        </p:par>
-                      </p:childTnLst>
-                    </p:cTn>
-                  </p:par>
-                </p:childTnLst>
-              </p:cTn>
-              <p:prevCondLst>
-                <p:cond evt="onPrev" delay="0">
-                  <p:tgtEl>
-                    <p:sldTgt/>
-                  </p:tgtEl>
-                </p:cond>
-              </p:prevCondLst>
-              <p:nextCondLst>
-                <p:cond evt="onNext" delay="0">
-                  <p:tgtEl>
-                    <p:sldTgt/>
-                  </p:tgtEl>
-                </p:cond>
-              </p:nextCondLst>
-            </p:seq>
-          </p:childTnLst>
-        </p:cTn>
-      </p:par>
-    </p:tnLst>
-    <p:bldLst>
-      <p:bldP spid="3" grpId="0" uiExpand="1" build="p"/>
-    </p:bldLst>
-  </p:timing>
-</p:sld>
-</file>
-
-<file path=ppt/slides/slide19.xml><?xml version="1.0" encoding="utf-8"?>
-<p:sld xmlns:a="http://schemas.openxmlformats.org/drawingml/2006/main" xmlns:r="http://schemas.openxmlformats.org/officeDocument/2006/relationships" xmlns:p="http://schemas.openxmlformats.org/presentationml/2006/main">
-  <p:cSld>
-    <p:spTree>
-      <p:nvGrpSpPr>
-        <p:cNvPr id="1" name=""/>
-        <p:cNvGrpSpPr/>
-        <p:nvPr/>
-      </p:nvGrpSpPr>
-      <p:grpSpPr>
-        <a:xfrm>
-          <a:off x="0" y="0"/>
-          <a:ext cx="0" cy="0"/>
-          <a:chOff x="0" y="0"/>
-          <a:chExt cx="0" cy="0"/>
-        </a:xfrm>
-      </p:grpSpPr>
-      <p:sp>
-        <p:nvSpPr>
-          <p:cNvPr id="2" name="Title 1"/>
-          <p:cNvSpPr>
-            <a:spLocks noGrp="1"/>
-          </p:cNvSpPr>
-          <p:nvPr>
-            <p:ph type="title"/>
-          </p:nvPr>
-        </p:nvSpPr>
-        <p:spPr/>
-        <p:txBody>
-          <a:bodyPr/>
-          <a:lstStyle/>
-          <a:p>
-            <a:pPr lvl="0" indent="0" marL="0">
-              <a:buNone/>
-            </a:pPr>
-            <a:r>
-              <a:rPr/>
-              <a:t>Questions and Discussion</a:t>
-            </a:r>
-          </a:p>
-        </p:txBody>
-      </p:sp>
-      <p:sp>
-        <p:nvSpPr>
-          <p:cNvPr id="3" name="Content Placeholder 2"/>
-          <p:cNvSpPr>
-            <a:spLocks noGrp="1"/>
-          </p:cNvSpPr>
-          <p:nvPr>
-            <p:ph idx="1"/>
-          </p:nvPr>
-        </p:nvSpPr>
-        <p:spPr/>
-        <p:txBody>
-          <a:bodyPr/>
-          <a:lstStyle/>
-          <a:p>
-            <a:pPr lvl="0"/>
-            <a:r>
-              <a:rPr/>
-              <a:t>Open floor for questions from the committee and audience</a:t>
-            </a:r>
-          </a:p>
-        </p:txBody>
-      </p:sp>
-    </p:spTree>
-  </p:cSld>
-  <p:timing>
-    <p:tnLst>
-      <p:par>
-        <p:cTn id="1" dur="indefinite" restart="never" nodeType="tmRoot">
-          <p:childTnLst>
-            <p:seq concurrent="1" nextAc="seek">
-              <p:cTn id="2" dur="indefinite" nodeType="mainSeq">
-                <p:childTnLst>
-                  <p:par>
-                    <p:cTn id="3" fill="hold">
-                      <p:stCondLst>
-                        <p:cond delay="indefinite"/>
-                      </p:stCondLst>
-                      <p:childTnLst>
-                        <p:par>
-                          <p:cTn id="4" fill="hold">
-                            <p:stCondLst>
-                              <p:cond delay="0"/>
-                            </p:stCondLst>
-                            <p:childTnLst>
-                              <p:par>
-                                <p:cTn id="5" presetID="1" presetClass="entr" presetSubtype="0" fill="hold" grpId="0" nodeType="clickEffect">
-                                  <p:stCondLst>
-                                    <p:cond delay="0"/>
-                                  </p:stCondLst>
-                                  <p:childTnLst>
-                                    <p:set>
-                                      <p:cBhvr>
-                                        <p:cTn id="6" dur="1" fill="hold">
-                                          <p:stCondLst>
-                                            <p:cond delay="0"/>
-                                          </p:stCondLst>
-                                        </p:cTn>
-                                        <p:tgtEl>
-                                          <p:spTgt spid="3">
-                                            <p:txEl>
-                                              <p:pRg st="0" end="0"/>
-                                            </p:txEl>
-                                          </p:spTgt>
-                                        </p:tgtEl>
-                                        <p:attrNameLst>
-                                          <p:attrName>style.visibility</p:attrName>
-                                        </p:attrNameLst>
-                                      </p:cBhvr>
-                                      <p:to>
-                                        <p:strVal val="visible"/>
-                                      </p:to>
-                                    </p:set>
-                                  </p:childTnLst>
-                                </p:cTn>
-                              </p:par>
-                            </p:childTnLst>
-                          </p:cTn>
-                        </p:par>
-                      </p:childTnLst>
-                    </p:cTn>
-                  </p:par>
-                </p:childTnLst>
-              </p:cTn>
-              <p:prevCondLst>
-                <p:cond evt="onPrev" delay="0">
-                  <p:tgtEl>
-                    <p:sldTgt/>
-                  </p:tgtEl>
-                </p:cond>
-              </p:prevCondLst>
-              <p:nextCondLst>
-                <p:cond evt="onNext" delay="0">
-                  <p:tgtEl>
-                    <p:sldTgt/>
-                  </p:tgtEl>
-                </p:cond>
-              </p:nextCondLst>
-            </p:seq>
-          </p:childTnLst>
-        </p:cTn>
-      </p:par>
-    </p:tnLst>
-    <p:bldLst>
-      <p:bldP spid="3" grpId="0" uiExpand="1" build="p"/>
-    </p:bldLst>
-  </p:timing>
-</p:sld>
-</file>
-
-<file path=ppt/slides/slide2.xml><?xml version="1.0" encoding="utf-8"?>
-<p:sld xmlns:a="http://schemas.openxmlformats.org/drawingml/2006/main" xmlns:r="http://schemas.openxmlformats.org/officeDocument/2006/relationships" xmlns:p="http://schemas.openxmlformats.org/presentationml/2006/main">
-  <p:cSld>
-    <p:spTree>
-      <p:nvGrpSpPr>
-        <p:cNvPr id="1" name=""/>
-        <p:cNvGrpSpPr/>
-        <p:nvPr/>
-      </p:nvGrpSpPr>
-      <p:grpSpPr>
-        <a:xfrm>
-          <a:off x="0" y="0"/>
-          <a:ext cx="0" cy="0"/>
-          <a:chOff x="0" y="0"/>
-          <a:chExt cx="0" cy="0"/>
-        </a:xfrm>
-      </p:grpSpPr>
-      <p:sp>
-        <p:nvSpPr>
-          <p:cNvPr id="2" name="Title 1"/>
-          <p:cNvSpPr>
-            <a:spLocks noGrp="1"/>
-          </p:cNvSpPr>
-          <p:nvPr>
-            <p:ph type="title"/>
-          </p:nvPr>
-        </p:nvSpPr>
-        <p:spPr/>
-        <p:txBody>
-          <a:bodyPr/>
-          <a:lstStyle/>
-          <a:p>
-            <a:pPr lvl="0" indent="0" marL="0">
-              <a:buNone/>
-            </a:pPr>
-            <a:r>
-              <a:rPr/>
-              <a:t>Introduction</a:t>
-            </a:r>
-          </a:p>
-        </p:txBody>
-      </p:sp>
-      <p:sp>
-        <p:nvSpPr>
-          <p:cNvPr id="3" name="Content Placeholder 2"/>
-          <p:cNvSpPr>
-            <a:spLocks noGrp="1"/>
-          </p:cNvSpPr>
-          <p:nvPr>
-            <p:ph idx="1"/>
-          </p:nvPr>
-        </p:nvSpPr>
-        <p:spPr/>
-        <p:txBody>
-          <a:bodyPr/>
-          <a:lstStyle/>
-          <a:p>
-            <a:pPr lvl="0"/>
-            <a:r>
-              <a:rPr/>
-              <a:t>Investigate effects of training variability on learning and generalization</a:t>
-            </a:r>
-          </a:p>
-          <a:p>
-            <a:pPr lvl="0"/>
-            <a:r>
-              <a:rPr/>
-              <a:t>Focus areas: visuomotor skill learning and function learning tasks</a:t>
-            </a:r>
-          </a:p>
-        </p:txBody>
-      </p:sp>
-    </p:spTree>
-  </p:cSld>
-  <p:timing>
-    <p:tnLst>
-      <p:par>
-        <p:cTn id="1" dur="indefinite" restart="never" nodeType="tmRoot">
-          <p:childTnLst>
-            <p:seq concurrent="1" nextAc="seek">
-              <p:cTn id="2" dur="indefinite" nodeType="mainSeq">
-                <p:childTnLst>
-                  <p:par>
-                    <p:cTn id="3" fill="hold">
-                      <p:stCondLst>
-                        <p:cond delay="indefinite"/>
-                      </p:stCondLst>
-                      <p:childTnLst>
-                        <p:par>
-                          <p:cTn id="4" fill="hold">
-                            <p:stCondLst>
-                              <p:cond delay="0"/>
-                            </p:stCondLst>
-                            <p:childTnLst>
-                              <p:par>
-                                <p:cTn id="5" presetID="1" presetClass="entr" presetSubtype="0" fill="hold" grpId="0" nodeType="clickEffect">
-                                  <p:stCondLst>
-                                    <p:cond delay="0"/>
-                                  </p:stCondLst>
-                                  <p:childTnLst>
-                                    <p:set>
-                                      <p:cBhvr>
-                                        <p:cTn id="6" dur="1" fill="hold">
-                                          <p:stCondLst>
-                                            <p:cond delay="0"/>
-                                          </p:stCondLst>
-                                        </p:cTn>
-                                        <p:tgtEl>
-                                          <p:spTgt spid="3">
-                                            <p:txEl>
-                                              <p:pRg st="0" end="0"/>
-                                            </p:txEl>
-                                          </p:spTgt>
-                                        </p:tgtEl>
-                                        <p:attrNameLst>
-                                          <p:attrName>style.visibility</p:attrName>
-                                        </p:attrNameLst>
-                                      </p:cBhvr>
-                                      <p:to>
-                                        <p:strVal val="visible"/>
-                                      </p:to>
-                                    </p:set>
-                                  </p:childTnLst>
-                                </p:cTn>
-                              </p:par>
-                            </p:childTnLst>
-                          </p:cTn>
-                        </p:par>
-                      </p:childTnLst>
-                    </p:cTn>
-                  </p:par>
-                  <p:par>
-                    <p:cTn id="7" fill="hold">
-                      <p:stCondLst>
-                        <p:cond delay="indefinite"/>
-                      </p:stCondLst>
-                      <p:childTnLst>
-                        <p:par>
-                          <p:cTn id="8" fill="hold">
-                            <p:stCondLst>
-                              <p:cond delay="0"/>
-                            </p:stCondLst>
-                            <p:childTnLst>
-                              <p:par>
-                                <p:cTn id="9" presetID="1" presetClass="entr" presetSubtype="0" fill="hold" grpId="0" nodeType="clickEffect">
-                                  <p:stCondLst>
-                                    <p:cond delay="0"/>
-                                  </p:stCondLst>
-                                  <p:childTnLst>
-                                    <p:set>
-                                      <p:cBhvr>
-                                        <p:cTn id="10" dur="1" fill="hold">
                                           <p:stCondLst>
                                             <p:cond delay="0"/>
                                           </p:stCondLst>
@@ -5341,12 +6075,12 @@
       </p:grpSpPr>
       <p:sp>
         <p:nvSpPr>
-          <p:cNvPr id="2" name="Title 1"/>
+          <p:cNvPr id="3" name="Content Placeholder 2"/>
           <p:cNvSpPr>
             <a:spLocks noGrp="1"/>
           </p:cNvSpPr>
           <p:nvPr>
-            <p:ph type="title"/>
+            <p:ph idx="1"/>
           </p:nvPr>
         </p:nvSpPr>
         <p:spPr/>
@@ -5355,29 +6089,16 @@
           <a:lstStyle/>
           <a:p>
             <a:pPr lvl="0" indent="0" marL="0">
+              <a:spcBef>
+                <a:spcPts val="3000"/>
+              </a:spcBef>
               <a:buNone/>
             </a:pPr>
             <a:r>
-              <a:rPr/>
+              <a:rPr b="1"/>
               <a:t>Background and Motivation</a:t>
             </a:r>
           </a:p>
-        </p:txBody>
-      </p:sp>
-      <p:sp>
-        <p:nvSpPr>
-          <p:cNvPr id="3" name="Content Placeholder 2"/>
-          <p:cNvSpPr>
-            <a:spLocks noGrp="1"/>
-          </p:cNvSpPr>
-          <p:nvPr>
-            <p:ph idx="1"/>
-          </p:nvPr>
-        </p:nvSpPr>
-        <p:spPr/>
-        <p:txBody>
-          <a:bodyPr/>
-          <a:lstStyle/>
           <a:p>
             <a:pPr lvl="0"/>
             <a:r>
@@ -5439,7 +6160,7 @@
                                         <p:tgtEl>
                                           <p:spTgt spid="3">
                                             <p:txEl>
-                                              <p:pRg st="0" end="0"/>
+                                              <p:pRg st="1" end="1"/>
                                             </p:txEl>
                                           </p:spTgt>
                                         </p:tgtEl>
@@ -5488,7 +6209,7 @@
                                         <p:tgtEl>
                                           <p:spTgt spid="3">
                                             <p:txEl>
-                                              <p:pRg st="1" end="1"/>
+                                              <p:pRg st="2" end="2"/>
                                             </p:txEl>
                                           </p:spTgt>
                                         </p:tgtEl>
@@ -5537,7 +6258,7 @@
                                         <p:tgtEl>
                                           <p:spTgt spid="3">
                                             <p:txEl>
-                                              <p:pRg st="2" end="2"/>
+                                              <p:pRg st="3" end="3"/>
                                             </p:txEl>
                                           </p:spTgt>
                                         </p:tgtEl>
@@ -5605,36 +6326,6 @@
       </p:grpSpPr>
       <p:sp>
         <p:nvSpPr>
-          <p:cNvPr id="2" name="Title 1"/>
-          <p:cNvSpPr>
-            <a:spLocks noGrp="1"/>
-          </p:cNvSpPr>
-          <p:nvPr>
-            <p:ph type="title"/>
-          </p:nvPr>
-        </p:nvSpPr>
-        <p:spPr>
-          <a:xfrm>
-            <a:off x="457201" y="204787"/>
-            <a:ext cx="3008313" cy="871538"/>
-          </a:xfrm>
-        </p:spPr>
-        <p:txBody>
-          <a:bodyPr/>
-          <a:lstStyle/>
-          <a:p>
-            <a:pPr lvl="0" indent="0" marL="0">
-              <a:buNone/>
-            </a:pPr>
-            <a:r>
-              <a:rPr/>
-              <a:t>Theoretical Frameworks</a:t>
-            </a:r>
-          </a:p>
-        </p:txBody>
-      </p:sp>
-      <p:sp>
-        <p:nvSpPr>
           <p:cNvPr id="4" name="Text Placeholder 3"/>
           <p:cNvSpPr>
             <a:spLocks noGrp="1"/>
@@ -5647,6 +6338,18 @@
         <p:txBody>
           <a:bodyPr/>
           <a:lstStyle/>
+          <a:p>
+            <a:pPr lvl="0" indent="0" marL="0">
+              <a:spcBef>
+                <a:spcPts val="3000"/>
+              </a:spcBef>
+              <a:buNone/>
+            </a:pPr>
+            <a:r>
+              <a:rPr b="1"/>
+              <a:t>Theoretical Frameworks</a:t>
+            </a:r>
+          </a:p>
           <a:p>
             <a:pPr lvl="0"/>
             <a:r>
@@ -5738,7 +6441,7 @@
                                         <p:tgtEl>
                                           <p:spTgt spid="4">
                                             <p:txEl>
-                                              <p:pRg st="0" end="0"/>
+                                              <p:pRg st="1" end="1"/>
                                             </p:txEl>
                                           </p:spTgt>
                                         </p:tgtEl>
@@ -5787,7 +6490,7 @@
                                         <p:tgtEl>
                                           <p:spTgt spid="4">
                                             <p:txEl>
-                                              <p:pRg st="1" end="1"/>
+                                              <p:pRg st="2" end="2"/>
                                             </p:txEl>
                                           </p:spTgt>
                                         </p:tgtEl>
@@ -5836,7 +6539,7 @@
                                         <p:tgtEl>
                                           <p:spTgt spid="4">
                                             <p:txEl>
-                                              <p:pRg st="2" end="2"/>
+                                              <p:pRg st="3" end="3"/>
                                             </p:txEl>
                                           </p:spTgt>
                                         </p:tgtEl>
@@ -5904,12 +6607,12 @@
       </p:grpSpPr>
       <p:sp>
         <p:nvSpPr>
-          <p:cNvPr id="2" name="Title 1"/>
+          <p:cNvPr id="3" name="Content Placeholder 2"/>
           <p:cNvSpPr>
             <a:spLocks noGrp="1"/>
           </p:cNvSpPr>
           <p:nvPr>
-            <p:ph type="title"/>
+            <p:ph idx="1"/>
           </p:nvPr>
         </p:nvSpPr>
         <p:spPr/>
@@ -5918,29 +6621,16 @@
           <a:lstStyle/>
           <a:p>
             <a:pPr lvl="0" indent="0" marL="0">
+              <a:spcBef>
+                <a:spcPts val="3000"/>
+              </a:spcBef>
               <a:buNone/>
             </a:pPr>
             <a:r>
-              <a:rPr/>
+              <a:rPr b="1"/>
               <a:t>Overview of Current Work</a:t>
             </a:r>
           </a:p>
-        </p:txBody>
-      </p:sp>
-      <p:sp>
-        <p:nvSpPr>
-          <p:cNvPr id="3" name="Content Placeholder 2"/>
-          <p:cNvSpPr>
-            <a:spLocks noGrp="1"/>
-          </p:cNvSpPr>
-          <p:nvPr>
-            <p:ph idx="1"/>
-          </p:nvPr>
-        </p:nvSpPr>
-        <p:spPr/>
-        <p:txBody>
-          <a:bodyPr/>
-          <a:lstStyle/>
           <a:p>
             <a:pPr lvl="0"/>
             <a:r>
@@ -5995,7 +6685,7 @@
                                         <p:tgtEl>
                                           <p:spTgt spid="3">
                                             <p:txEl>
-                                              <p:pRg st="0" end="0"/>
+                                              <p:pRg st="1" end="1"/>
                                             </p:txEl>
                                           </p:spTgt>
                                         </p:tgtEl>
@@ -6044,7 +6734,7 @@
                                         <p:tgtEl>
                                           <p:spTgt spid="3">
                                             <p:txEl>
-                                              <p:pRg st="1" end="1"/>
+                                              <p:pRg st="2" end="2"/>
                                             </p:txEl>
                                           </p:spTgt>
                                         </p:tgtEl>
@@ -6432,36 +7122,6 @@
       </p:grpSpPr>
       <p:sp>
         <p:nvSpPr>
-          <p:cNvPr id="2" name="Title 1"/>
-          <p:cNvSpPr>
-            <a:spLocks noGrp="1"/>
-          </p:cNvSpPr>
-          <p:nvPr>
-            <p:ph type="title"/>
-          </p:nvPr>
-        </p:nvSpPr>
-        <p:spPr>
-          <a:xfrm>
-            <a:off x="457201" y="204787"/>
-            <a:ext cx="3008313" cy="871538"/>
-          </a:xfrm>
-        </p:spPr>
-        <p:txBody>
-          <a:bodyPr/>
-          <a:lstStyle/>
-          <a:p>
-            <a:pPr lvl="0" indent="0" marL="0">
-              <a:buNone/>
-            </a:pPr>
-            <a:r>
-              <a:rPr/>
-              <a:t>Project 1 - Methodology</a:t>
-            </a:r>
-          </a:p>
-        </p:txBody>
-      </p:sp>
-      <p:sp>
-        <p:nvSpPr>
           <p:cNvPr id="4" name="Text Placeholder 3"/>
           <p:cNvSpPr>
             <a:spLocks noGrp="1"/>
@@ -6474,6 +7134,18 @@
         <p:txBody>
           <a:bodyPr/>
           <a:lstStyle/>
+          <a:p>
+            <a:pPr lvl="0" indent="0" marL="0">
+              <a:spcBef>
+                <a:spcPts val="3000"/>
+              </a:spcBef>
+              <a:buNone/>
+            </a:pPr>
+            <a:r>
+              <a:rPr b="1"/>
+              <a:t>Project 1 - Methodology</a:t>
+            </a:r>
+          </a:p>
           <a:p>
             <a:pPr lvl="0"/>
             <a:r>
@@ -6565,7 +7237,7 @@
                                         <p:tgtEl>
                                           <p:spTgt spid="4">
                                             <p:txEl>
-                                              <p:pRg st="0" end="0"/>
+                                              <p:pRg st="1" end="1"/>
                                             </p:txEl>
                                           </p:spTgt>
                                         </p:tgtEl>
@@ -6614,7 +7286,7 @@
                                         <p:tgtEl>
                                           <p:spTgt spid="4">
                                             <p:txEl>
-                                              <p:pRg st="1" end="1"/>
+                                              <p:pRg st="2" end="2"/>
                                             </p:txEl>
                                           </p:spTgt>
                                         </p:tgtEl>
@@ -6663,7 +7335,7 @@
                                         <p:tgtEl>
                                           <p:spTgt spid="4">
                                             <p:txEl>
-                                              <p:pRg st="2" end="2"/>
+                                              <p:pRg st="3" end="3"/>
                                             </p:txEl>
                                           </p:spTgt>
                                         </p:tgtEl>
@@ -6731,12 +7403,12 @@
       </p:grpSpPr>
       <p:sp>
         <p:nvSpPr>
-          <p:cNvPr id="2" name="Title 1"/>
+          <p:cNvPr id="3" name="Content Placeholder 2"/>
           <p:cNvSpPr>
             <a:spLocks noGrp="1"/>
           </p:cNvSpPr>
           <p:nvPr>
-            <p:ph type="title"/>
+            <p:ph idx="1"/>
           </p:nvPr>
         </p:nvSpPr>
         <p:spPr/>
@@ -6745,29 +7417,16 @@
           <a:lstStyle/>
           <a:p>
             <a:pPr lvl="0" indent="0" marL="0">
+              <a:spcBef>
+                <a:spcPts val="3000"/>
+              </a:spcBef>
               <a:buNone/>
             </a:pPr>
             <a:r>
-              <a:rPr/>
+              <a:rPr b="1"/>
               <a:t>Project 1 - Results and Discussion</a:t>
             </a:r>
           </a:p>
-        </p:txBody>
-      </p:sp>
-      <p:sp>
-        <p:nvSpPr>
-          <p:cNvPr id="3" name="Content Placeholder 2"/>
-          <p:cNvSpPr>
-            <a:spLocks noGrp="1"/>
-          </p:cNvSpPr>
-          <p:nvPr>
-            <p:ph idx="1"/>
-          </p:nvPr>
-        </p:nvSpPr>
-        <p:spPr/>
-        <p:txBody>
-          <a:bodyPr/>
-          <a:lstStyle/>
           <a:p>
             <a:pPr lvl="0"/>
             <a:r>
@@ -6829,7 +7488,7 @@
                                         <p:tgtEl>
                                           <p:spTgt spid="3">
                                             <p:txEl>
-                                              <p:pRg st="0" end="0"/>
+                                              <p:pRg st="1" end="1"/>
                                             </p:txEl>
                                           </p:spTgt>
                                         </p:tgtEl>
@@ -6878,7 +7537,7 @@
                                         <p:tgtEl>
                                           <p:spTgt spid="3">
                                             <p:txEl>
-                                              <p:pRg st="1" end="1"/>
+                                              <p:pRg st="2" end="2"/>
                                             </p:txEl>
                                           </p:spTgt>
                                         </p:tgtEl>
@@ -6927,7 +7586,7 @@
                                         <p:tgtEl>
                                           <p:spTgt spid="3">
                                             <p:txEl>
-                                              <p:pRg st="2" end="2"/>
+                                              <p:pRg st="3" end="3"/>
                                             </p:txEl>
                                           </p:spTgt>
                                         </p:tgtEl>
@@ -6993,306 +7652,505 @@
           <a:chExt cx="0" cy="0"/>
         </a:xfrm>
       </p:grpSpPr>
-      <p:sp>
-        <p:nvSpPr>
-          <p:cNvPr id="2" name="Title 1"/>
-          <p:cNvSpPr>
-            <a:spLocks noGrp="1"/>
-          </p:cNvSpPr>
-          <p:nvPr>
-            <p:ph type="title"/>
-          </p:nvPr>
-        </p:nvSpPr>
-        <p:spPr/>
-        <p:txBody>
-          <a:bodyPr/>
-          <a:lstStyle/>
-          <a:p>
-            <a:pPr lvl="0" indent="0" marL="0">
-              <a:buNone/>
-            </a:pPr>
-            <a:r>
-              <a:rPr/>
-              <a:t>Project 2 - Hit The Wall (HTW)</a:t>
-            </a:r>
-          </a:p>
-        </p:txBody>
-      </p:sp>
-      <p:sp>
-        <p:nvSpPr>
-          <p:cNvPr id="3" name="Content Placeholder 2"/>
-          <p:cNvSpPr>
-            <a:spLocks noGrp="1"/>
-          </p:cNvSpPr>
-          <p:nvPr>
-            <p:ph idx="1"/>
-          </p:nvPr>
-        </p:nvSpPr>
-        <p:spPr/>
-        <p:txBody>
-          <a:bodyPr/>
-          <a:lstStyle/>
-          <a:p>
-            <a:pPr lvl="0"/>
-            <a:r>
-              <a:rPr/>
-              <a:t>Influence of varied practice in a function learning task</a:t>
-            </a:r>
-          </a:p>
-          <a:p>
-            <a:pPr lvl="0"/>
-            <a:r>
-              <a:rPr/>
-              <a:t>Experiments 1, 2, and 3:</a:t>
-            </a:r>
-          </a:p>
-          <a:p>
-            <a:pPr lvl="1"/>
-            <a:r>
-              <a:rPr/>
-              <a:t>Training regimes and testing conditions</a:t>
-            </a:r>
-          </a:p>
-          <a:p>
-            <a:pPr lvl="1"/>
-            <a:r>
-              <a:rPr/>
-              <a:t>Learning, discrimination, and extrapolation performance metrics</a:t>
-            </a:r>
-          </a:p>
-        </p:txBody>
-      </p:sp>
+      <mc:AlternateContent xmlns:mc="http://schemas.openxmlformats.org/markup-compatibility/2006">
+        <mc:Choice xmlns:a14="http://schemas.microsoft.com/office/drawing/2010/main" Requires="a14">
+          <p:sp>
+            <p:nvSpPr>
+              <p:cNvPr id="3" name="Content Placeholder 2"/>
+              <p:cNvSpPr>
+                <a:spLocks noGrp="1"/>
+              </p:cNvSpPr>
+              <p:nvPr>
+                <p:ph idx="1"/>
+              </p:nvPr>
+            </p:nvSpPr>
+            <p:spPr/>
+            <p:txBody>
+              <a:bodyPr/>
+              <a:lstStyle/>
+              <a:p>
+                <a:pPr lvl="0" indent="0" marL="0">
+                  <a:spcBef>
+                    <a:spcPts val="3000"/>
+                  </a:spcBef>
+                  <a:buNone/>
+                </a:pPr>
+                <a:r>
+                  <a:rPr b="1"/>
+                  <a:t>Computational Model</a:t>
+                </a:r>
+              </a:p>
+              <a:p>
+                <a:pPr lvl="0" indent="0" marL="0">
+                  <a:buNone/>
+                </a:pPr>
+                <a:r>
+                  <a:rPr b="1"/>
+                  <a:t>Equation 1:</a:t>
+                </a:r>
+              </a:p>
+              <a:p>
+                <a:pPr lvl="0" indent="0" marL="0">
+                  <a:buNone/>
+                </a:pPr>
+                <a14:m>
+                  <m:oMathPara xmlns:m="http://schemas.openxmlformats.org/officeDocument/2006/math">
+                    <m:oMathParaPr>
+                      <m:jc m:val="center"/>
+                    </m:oMathParaPr>
+                    <m:oMath>
+                      <m:r>
+                        <m:t>S</m:t>
+                      </m:r>
+                      <m:r>
+                        <m:t>i</m:t>
+                      </m:r>
+                      <m:r>
+                        <m:t>m</m:t>
+                      </m:r>
+                      <m:r>
+                        <m:t>i</m:t>
+                      </m:r>
+                      <m:r>
+                        <m:t>l</m:t>
+                      </m:r>
+                      <m:r>
+                        <m:t>a</m:t>
+                      </m:r>
+                      <m:r>
+                        <m:t>r</m:t>
+                      </m:r>
+                      <m:r>
+                        <m:t>i</m:t>
+                      </m:r>
+                      <m:r>
+                        <m:t>t</m:t>
+                      </m:r>
+                      <m:sSub>
+                        <m:e>
+                          <m:r>
+                            <m:t>y</m:t>
+                          </m:r>
+                        </m:e>
+                        <m:sub>
+                          <m:r>
+                            <m:t>I</m:t>
+                          </m:r>
+                          <m:r>
+                            <m:rPr>
+                              <m:sty m:val="p"/>
+                            </m:rPr>
+                            <m:t>,</m:t>
+                          </m:r>
+                          <m:r>
+                            <m:t>J</m:t>
+                          </m:r>
+                        </m:sub>
+                      </m:sSub>
+                      <m:r>
+                        <m:rPr>
+                          <m:sty m:val="p"/>
+                        </m:rPr>
+                        <m:t>=</m:t>
+                      </m:r>
+                      <m:nary>
+                        <m:naryPr>
+                          <m:chr m:val="∑"/>
+                          <m:limLoc m:val="undOvr"/>
+                          <m:subHide m:val="off"/>
+                          <m:supHide m:val="on"/>
+                        </m:naryPr>
+                        <m:sub>
+                          <m:r>
+                            <m:t>i</m:t>
+                          </m:r>
+                          <m:r>
+                            <m:rPr>
+                              <m:sty m:val="p"/>
+                            </m:rPr>
+                            <m:t>=</m:t>
+                          </m:r>
+                          <m:r>
+                            <m:t>I</m:t>
+                          </m:r>
+                        </m:sub>
+                        <m:sup>
+                          <m:r>
+                            <m:t>​</m:t>
+                          </m:r>
+                        </m:sup>
+                        <m:e>
+                          <m:nary>
+                            <m:naryPr>
+                              <m:chr m:val="∑"/>
+                              <m:limLoc m:val="undOvr"/>
+                              <m:subHide m:val="off"/>
+                              <m:supHide m:val="on"/>
+                            </m:naryPr>
+                            <m:sub>
+                              <m:r>
+                                <m:t>j</m:t>
+                              </m:r>
+                              <m:r>
+                                <m:rPr>
+                                  <m:sty m:val="p"/>
+                                </m:rPr>
+                                <m:t>=</m:t>
+                              </m:r>
+                              <m:r>
+                                <m:t>J</m:t>
+                              </m:r>
+                            </m:sub>
+                            <m:sup>
+                              <m:r>
+                                <m:t>​</m:t>
+                              </m:r>
+                            </m:sup>
+                            <m:e>
+                              <m:d>
+                                <m:dPr>
+                                  <m:begChr m:val="("/>
+                                  <m:endChr m:val=")"/>
+                                  <m:sepChr m:val=""/>
+                                  <m:grow/>
+                                </m:dPr>
+                                <m:e>
+                                  <m:sSup>
+                                    <m:e>
+                                      <m:r>
+                                        <m:t>e</m:t>
+                                      </m:r>
+                                    </m:e>
+                                    <m:sup>
+                                      <m:r>
+                                        <m:rPr>
+                                          <m:sty m:val="p"/>
+                                        </m:rPr>
+                                        <m:t>−</m:t>
+                                      </m:r>
+                                      <m:sSup>
+                                        <m:e>
+                                          <m:r>
+                                            <m:t>c</m:t>
+                                          </m:r>
+                                        </m:e>
+                                        <m:sup>
+                                          <m:r>
+                                            <m:rPr>
+                                              <m:sty m:val="p"/>
+                                            </m:rPr>
+                                            <m:t>⋅</m:t>
+                                          </m:r>
+                                        </m:sup>
+                                      </m:sSup>
+                                      <m:sSubSup>
+                                        <m:e>
+                                          <m:r>
+                                            <m:t>d</m:t>
+                                          </m:r>
+                                        </m:e>
+                                        <m:sub>
+                                          <m:r>
+                                            <m:t>i</m:t>
+                                          </m:r>
+                                          <m:r>
+                                            <m:rPr>
+                                              <m:sty m:val="p"/>
+                                            </m:rPr>
+                                            <m:t>,</m:t>
+                                          </m:r>
+                                          <m:r>
+                                            <m:t>j</m:t>
+                                          </m:r>
+                                        </m:sub>
+                                        <m:sup>
+                                          <m:r>
+                                            <m:t>p</m:t>
+                                          </m:r>
+                                        </m:sup>
+                                      </m:sSubSup>
+                                    </m:sup>
+                                  </m:sSup>
+                                </m:e>
+                              </m:d>
+                            </m:e>
+                          </m:nary>
+                        </m:e>
+                      </m:nary>
+                    </m:oMath>
+                  </m:oMathPara>
+                </a14:m>
+              </a:p>
+              <a:p>
+                <a:pPr lvl="0" indent="0" marL="0">
+                  <a:buNone/>
+                </a:pPr>
+                <a:r>
+                  <a:rPr b="1"/>
+                  <a:t>Equation 2:</a:t>
+                </a:r>
+              </a:p>
+              <a:p>
+                <a:pPr lvl="0" indent="0" marL="0">
+                  <a:buNone/>
+                </a:pPr>
+                <a14:m>
+                  <m:oMathPara xmlns:m="http://schemas.openxmlformats.org/officeDocument/2006/math">
+                    <m:oMathParaPr>
+                      <m:jc m:val="center"/>
+                    </m:oMathParaPr>
+                    <m:oMath>
+                      <m:sSub>
+                        <m:e>
+                          <m:r>
+                            <m:t>d</m:t>
+                          </m:r>
+                        </m:e>
+                        <m:sub>
+                          <m:r>
+                            <m:t>i</m:t>
+                          </m:r>
+                          <m:r>
+                            <m:rPr>
+                              <m:sty m:val="p"/>
+                            </m:rPr>
+                            <m:t>,</m:t>
+                          </m:r>
+                          <m:r>
+                            <m:t>j</m:t>
+                          </m:r>
+                        </m:sub>
+                      </m:sSub>
+                      <m:r>
+                        <m:rPr>
+                          <m:sty m:val="p"/>
+                        </m:rPr>
+                        <m:t>=</m:t>
+                      </m:r>
+                      <m:rad>
+                        <m:radPr>
+                          <m:degHide m:val="on"/>
+                        </m:radPr>
+                        <m:deg/>
+                        <m:e>
+                          <m:sSup>
+                            <m:e>
+                              <m:d>
+                                <m:dPr>
+                                  <m:begChr m:val="("/>
+                                  <m:endChr m:val=")"/>
+                                  <m:sepChr m:val=""/>
+                                  <m:grow/>
+                                </m:dPr>
+                                <m:e>
+                                  <m:sSub>
+                                    <m:e>
+                                      <m:r>
+                                        <m:t>x</m:t>
+                                      </m:r>
+                                    </m:e>
+                                    <m:sub>
+                                      <m:r>
+                                        <m:t>T</m:t>
+                                      </m:r>
+                                      <m:r>
+                                        <m:t>r</m:t>
+                                      </m:r>
+                                      <m:r>
+                                        <m:t>a</m:t>
+                                      </m:r>
+                                      <m:r>
+                                        <m:t>i</m:t>
+                                      </m:r>
+                                      <m:sSub>
+                                        <m:e>
+                                          <m:r>
+                                            <m:t>n</m:t>
+                                          </m:r>
+                                        </m:e>
+                                        <m:sub>
+                                          <m:r>
+                                            <m:t>i</m:t>
+                                          </m:r>
+                                        </m:sub>
+                                      </m:sSub>
+                                    </m:sub>
+                                  </m:sSub>
+                                  <m:r>
+                                    <m:rPr>
+                                      <m:sty m:val="p"/>
+                                    </m:rPr>
+                                    <m:t>−</m:t>
+                                  </m:r>
+                                  <m:sSub>
+                                    <m:e>
+                                      <m:r>
+                                        <m:t>x</m:t>
+                                      </m:r>
+                                    </m:e>
+                                    <m:sub>
+                                      <m:r>
+                                        <m:t>S</m:t>
+                                      </m:r>
+                                      <m:r>
+                                        <m:t>o</m:t>
+                                      </m:r>
+                                      <m:r>
+                                        <m:t>l</m:t>
+                                      </m:r>
+                                      <m:r>
+                                        <m:t>u</m:t>
+                                      </m:r>
+                                      <m:r>
+                                        <m:t>t</m:t>
+                                      </m:r>
+                                      <m:r>
+                                        <m:t>i</m:t>
+                                      </m:r>
+                                      <m:r>
+                                        <m:t>o</m:t>
+                                      </m:r>
+                                      <m:sSub>
+                                        <m:e>
+                                          <m:r>
+                                            <m:t>n</m:t>
+                                          </m:r>
+                                        </m:e>
+                                        <m:sub>
+                                          <m:r>
+                                            <m:t>j</m:t>
+                                          </m:r>
+                                        </m:sub>
+                                      </m:sSub>
+                                    </m:sub>
+                                  </m:sSub>
+                                </m:e>
+                              </m:d>
+                            </m:e>
+                            <m:sup>
+                              <m:r>
+                                <m:t>2</m:t>
+                              </m:r>
+                            </m:sup>
+                          </m:sSup>
+                          <m:r>
+                            <m:rPr>
+                              <m:sty m:val="p"/>
+                            </m:rPr>
+                            <m:t>+</m:t>
+                          </m:r>
+                          <m:sSup>
+                            <m:e>
+                              <m:d>
+                                <m:dPr>
+                                  <m:begChr m:val="("/>
+                                  <m:endChr m:val=")"/>
+                                  <m:sepChr m:val=""/>
+                                  <m:grow/>
+                                </m:dPr>
+                                <m:e>
+                                  <m:sSub>
+                                    <m:e>
+                                      <m:r>
+                                        <m:t>y</m:t>
+                                      </m:r>
+                                    </m:e>
+                                    <m:sub>
+                                      <m:r>
+                                        <m:t>T</m:t>
+                                      </m:r>
+                                      <m:r>
+                                        <m:t>r</m:t>
+                                      </m:r>
+                                      <m:r>
+                                        <m:t>a</m:t>
+                                      </m:r>
+                                      <m:r>
+                                        <m:t>i</m:t>
+                                      </m:r>
+                                      <m:sSub>
+                                        <m:e>
+                                          <m:r>
+                                            <m:t>n</m:t>
+                                          </m:r>
+                                        </m:e>
+                                        <m:sub>
+                                          <m:r>
+                                            <m:t>i</m:t>
+                                          </m:r>
+                                        </m:sub>
+                                      </m:sSub>
+                                    </m:sub>
+                                  </m:sSub>
+                                  <m:r>
+                                    <m:rPr>
+                                      <m:sty m:val="p"/>
+                                    </m:rPr>
+                                    <m:t>−</m:t>
+                                  </m:r>
+                                  <m:sSub>
+                                    <m:e>
+                                      <m:r>
+                                        <m:t>y</m:t>
+                                      </m:r>
+                                    </m:e>
+                                    <m:sub>
+                                      <m:r>
+                                        <m:t>S</m:t>
+                                      </m:r>
+                                      <m:r>
+                                        <m:t>o</m:t>
+                                      </m:r>
+                                      <m:r>
+                                        <m:t>l</m:t>
+                                      </m:r>
+                                      <m:r>
+                                        <m:t>u</m:t>
+                                      </m:r>
+                                      <m:r>
+                                        <m:t>t</m:t>
+                                      </m:r>
+                                      <m:r>
+                                        <m:t>i</m:t>
+                                      </m:r>
+                                      <m:r>
+                                        <m:t>o</m:t>
+                                      </m:r>
+                                      <m:sSub>
+                                        <m:e>
+                                          <m:r>
+                                            <m:t>n</m:t>
+                                          </m:r>
+                                        </m:e>
+                                        <m:sub>
+                                          <m:r>
+                                            <m:t>j</m:t>
+                                          </m:r>
+                                        </m:sub>
+                                      </m:sSub>
+                                    </m:sub>
+                                  </m:sSub>
+                                </m:e>
+                              </m:d>
+                            </m:e>
+                            <m:sup>
+                              <m:r>
+                                <m:t>2</m:t>
+                              </m:r>
+                            </m:sup>
+                          </m:sSup>
+                        </m:e>
+                      </m:rad>
+                    </m:oMath>
+                  </m:oMathPara>
+                </a14:m>
+              </a:p>
+            </p:txBody>
+          </p:sp>
+        </mc:Choice>
+      </mc:AlternateContent>
     </p:spTree>
   </p:cSld>
-  <p:timing>
-    <p:tnLst>
-      <p:par>
-        <p:cTn id="1" dur="indefinite" restart="never" nodeType="tmRoot">
-          <p:childTnLst>
-            <p:seq concurrent="1" nextAc="seek">
-              <p:cTn id="2" dur="indefinite" nodeType="mainSeq">
-                <p:childTnLst>
-                  <p:par>
-                    <p:cTn id="3" fill="hold">
-                      <p:stCondLst>
-                        <p:cond delay="indefinite"/>
-                      </p:stCondLst>
-                      <p:childTnLst>
-                        <p:par>
-                          <p:cTn id="4" fill="hold">
-                            <p:stCondLst>
-                              <p:cond delay="0"/>
-                            </p:stCondLst>
-                            <p:childTnLst>
-                              <p:par>
-                                <p:cTn id="5" presetID="1" presetClass="entr" presetSubtype="0" fill="hold" grpId="0" nodeType="clickEffect">
-                                  <p:stCondLst>
-                                    <p:cond delay="0"/>
-                                  </p:stCondLst>
-                                  <p:childTnLst>
-                                    <p:set>
-                                      <p:cBhvr>
-                                        <p:cTn id="6" dur="1" fill="hold">
-                                          <p:stCondLst>
-                                            <p:cond delay="0"/>
-                                          </p:stCondLst>
-                                        </p:cTn>
-                                        <p:tgtEl>
-                                          <p:spTgt spid="3">
-                                            <p:txEl>
-                                              <p:pRg st="0" end="0"/>
-                                            </p:txEl>
-                                          </p:spTgt>
-                                        </p:tgtEl>
-                                        <p:attrNameLst>
-                                          <p:attrName>style.visibility</p:attrName>
-                                        </p:attrNameLst>
-                                      </p:cBhvr>
-                                      <p:to>
-                                        <p:strVal val="visible"/>
-                                      </p:to>
-                                    </p:set>
-                                  </p:childTnLst>
-                                </p:cTn>
-                              </p:par>
-                            </p:childTnLst>
-                          </p:cTn>
-                        </p:par>
-                      </p:childTnLst>
-                    </p:cTn>
-                  </p:par>
-                  <p:par>
-                    <p:cTn id="7" fill="hold">
-                      <p:stCondLst>
-                        <p:cond delay="indefinite"/>
-                      </p:stCondLst>
-                      <p:childTnLst>
-                        <p:par>
-                          <p:cTn id="8" fill="hold">
-                            <p:stCondLst>
-                              <p:cond delay="0"/>
-                            </p:stCondLst>
-                            <p:childTnLst>
-                              <p:par>
-                                <p:cTn id="9" presetID="1" presetClass="entr" presetSubtype="0" fill="hold" grpId="0" nodeType="clickEffect">
-                                  <p:stCondLst>
-                                    <p:cond delay="0"/>
-                                  </p:stCondLst>
-                                  <p:childTnLst>
-                                    <p:set>
-                                      <p:cBhvr>
-                                        <p:cTn id="10" dur="1" fill="hold">
-                                          <p:stCondLst>
-                                            <p:cond delay="0"/>
-                                          </p:stCondLst>
-                                        </p:cTn>
-                                        <p:tgtEl>
-                                          <p:spTgt spid="3">
-                                            <p:txEl>
-                                              <p:pRg st="1" end="1"/>
-                                            </p:txEl>
-                                          </p:spTgt>
-                                        </p:tgtEl>
-                                        <p:attrNameLst>
-                                          <p:attrName>style.visibility</p:attrName>
-                                        </p:attrNameLst>
-                                      </p:cBhvr>
-                                      <p:to>
-                                        <p:strVal val="visible"/>
-                                      </p:to>
-                                    </p:set>
-                                  </p:childTnLst>
-                                </p:cTn>
-                              </p:par>
-                            </p:childTnLst>
-                          </p:cTn>
-                        </p:par>
-                      </p:childTnLst>
-                    </p:cTn>
-                  </p:par>
-                  <p:par>
-                    <p:cTn id="11" fill="hold">
-                      <p:stCondLst>
-                        <p:cond delay="indefinite"/>
-                      </p:stCondLst>
-                      <p:childTnLst>
-                        <p:par>
-                          <p:cTn id="12" fill="hold">
-                            <p:stCondLst>
-                              <p:cond delay="0"/>
-                            </p:stCondLst>
-                            <p:childTnLst>
-                              <p:par>
-                                <p:cTn id="13" presetID="1" presetClass="entr" presetSubtype="0" fill="hold" grpId="0" nodeType="clickEffect">
-                                  <p:stCondLst>
-                                    <p:cond delay="0"/>
-                                  </p:stCondLst>
-                                  <p:childTnLst>
-                                    <p:set>
-                                      <p:cBhvr>
-                                        <p:cTn id="14" dur="1" fill="hold">
-                                          <p:stCondLst>
-                                            <p:cond delay="0"/>
-                                          </p:stCondLst>
-                                        </p:cTn>
-                                        <p:tgtEl>
-                                          <p:spTgt spid="3">
-                                            <p:txEl>
-                                              <p:pRg st="2" end="2"/>
-                                            </p:txEl>
-                                          </p:spTgt>
-                                        </p:tgtEl>
-                                        <p:attrNameLst>
-                                          <p:attrName>style.visibility</p:attrName>
-                                        </p:attrNameLst>
-                                      </p:cBhvr>
-                                      <p:to>
-                                        <p:strVal val="visible"/>
-                                      </p:to>
-                                    </p:set>
-                                  </p:childTnLst>
-                                </p:cTn>
-                              </p:par>
-                            </p:childTnLst>
-                          </p:cTn>
-                        </p:par>
-                      </p:childTnLst>
-                    </p:cTn>
-                  </p:par>
-                  <p:par>
-                    <p:cTn id="15" fill="hold">
-                      <p:stCondLst>
-                        <p:cond delay="indefinite"/>
-                      </p:stCondLst>
-                      <p:childTnLst>
-                        <p:par>
-                          <p:cTn id="16" fill="hold">
-                            <p:stCondLst>
-                              <p:cond delay="0"/>
-                            </p:stCondLst>
-                            <p:childTnLst>
-                              <p:par>
-                                <p:cTn id="17" presetID="1" presetClass="entr" presetSubtype="0" fill="hold" grpId="0" nodeType="clickEffect">
-                                  <p:stCondLst>
-                                    <p:cond delay="0"/>
-                                  </p:stCondLst>
-                                  <p:childTnLst>
-                                    <p:set>
-                                      <p:cBhvr>
-                                        <p:cTn id="18" dur="1" fill="hold">
-                                          <p:stCondLst>
-                                            <p:cond delay="0"/>
-                                          </p:stCondLst>
-                                        </p:cTn>
-                                        <p:tgtEl>
-                                          <p:spTgt spid="3">
-                                            <p:txEl>
-                                              <p:pRg st="3" end="3"/>
-                                            </p:txEl>
-                                          </p:spTgt>
-                                        </p:tgtEl>
-                                        <p:attrNameLst>
-                                          <p:attrName>style.visibility</p:attrName>
-                                        </p:attrNameLst>
-                                      </p:cBhvr>
-                                      <p:to>
-                                        <p:strVal val="visible"/>
-                                      </p:to>
-                                    </p:set>
-                                  </p:childTnLst>
-                                </p:cTn>
-                              </p:par>
-                            </p:childTnLst>
-                          </p:cTn>
-                        </p:par>
-                      </p:childTnLst>
-                    </p:cTn>
-                  </p:par>
-                </p:childTnLst>
-              </p:cTn>
-              <p:prevCondLst>
-                <p:cond evt="onPrev" delay="0">
-                  <p:tgtEl>
-                    <p:sldTgt/>
-                  </p:tgtEl>
-                </p:cond>
-              </p:prevCondLst>
-              <p:nextCondLst>
-                <p:cond evt="onNext" delay="0">
-                  <p:tgtEl>
-                    <p:sldTgt/>
-                  </p:tgtEl>
-                </p:cond>
-              </p:nextCondLst>
-            </p:seq>
-          </p:childTnLst>
-        </p:cTn>
-      </p:par>
-    </p:tnLst>
-    <p:bldLst>
-      <p:bldP spid="3" grpId="0" uiExpand="1" build="p"/>
-    </p:bldLst>
-  </p:timing>
 </p:sld>
 </file>
 

--- a/docs/Presentation/slides.pptx
+++ b/docs/Presentation/slides.pptx
@@ -4490,9 +4490,9 @@
                 <a:tableStyleId>{5C22544A-7EE6-4342-B048-85BDC9FD1C3A}</a:tableStyleId>
               </a:tblPr>
               <a:tblGrid>
-                <a:gridCol w="800100"/>
-                <a:gridCol w="2413000"/>
-                <a:gridCol w="1879600"/>
+                <a:gridCol w="1130300"/>
+                <a:gridCol w="2273300"/>
+                <a:gridCol w="1701800"/>
               </a:tblGrid>
               <a:tr h="0">
                 <a:tc>

--- a/docs/Presentation/slides.pptx
+++ b/docs/Presentation/slides.pptx
@@ -3520,30 +3520,48 @@
       </p:grpSpPr>
       <p:sp>
         <p:nvSpPr>
-          <p:cNvPr id="4" name="Text Placeholder 3"/>
-          <p:cNvSpPr>
-            <a:spLocks noGrp="1"/>
-          </p:cNvSpPr>
-          <p:nvPr>
-            <p:ph idx="2" sz="half" type="body"/>
-          </p:nvPr>
-        </p:nvSpPr>
-        <p:spPr/>
+          <p:cNvPr id="2" name="Title 1"/>
+          <p:cNvSpPr>
+            <a:spLocks noGrp="1"/>
+          </p:cNvSpPr>
+          <p:nvPr>
+            <p:ph type="title"/>
+          </p:nvPr>
+        </p:nvSpPr>
+        <p:spPr>
+          <a:xfrm>
+            <a:off x="457201" y="204787"/>
+            <a:ext cx="3008313" cy="871538"/>
+          </a:xfrm>
+        </p:spPr>
         <p:txBody>
           <a:bodyPr/>
           <a:lstStyle/>
           <a:p>
             <a:pPr lvl="0" indent="0" marL="0">
-              <a:spcBef>
-                <a:spcPts val="3000"/>
-              </a:spcBef>
               <a:buNone/>
             </a:pPr>
             <a:r>
-              <a:rPr b="1"/>
+              <a:rPr/>
               <a:t>Project 2 - Methodology</a:t>
             </a:r>
           </a:p>
+        </p:txBody>
+      </p:sp>
+      <p:sp>
+        <p:nvSpPr>
+          <p:cNvPr id="4" name="Text Placeholder 3"/>
+          <p:cNvSpPr>
+            <a:spLocks noGrp="1"/>
+          </p:cNvSpPr>
+          <p:nvPr>
+            <p:ph idx="2" sz="half" type="body"/>
+          </p:nvPr>
+        </p:nvSpPr>
+        <p:spPr/>
+        <p:txBody>
+          <a:bodyPr/>
+          <a:lstStyle/>
           <a:p>
             <a:pPr lvl="0"/>
             <a:r>
@@ -3635,7 +3653,7 @@
                                         <p:tgtEl>
                                           <p:spTgt spid="4">
                                             <p:txEl>
-                                              <p:pRg st="1" end="1"/>
+                                              <p:pRg st="0" end="0"/>
                                             </p:txEl>
                                           </p:spTgt>
                                         </p:tgtEl>
@@ -3684,7 +3702,7 @@
                                         <p:tgtEl>
                                           <p:spTgt spid="4">
                                             <p:txEl>
-                                              <p:pRg st="2" end="2"/>
+                                              <p:pRg st="1" end="1"/>
                                             </p:txEl>
                                           </p:spTgt>
                                         </p:tgtEl>
@@ -3733,7 +3751,7 @@
                                         <p:tgtEl>
                                           <p:spTgt spid="4">
                                             <p:txEl>
-                                              <p:pRg st="3" end="3"/>
+                                              <p:pRg st="2" end="2"/>
                                             </p:txEl>
                                           </p:spTgt>
                                         </p:tgtEl>
@@ -3848,12 +3866,12 @@
       </p:grpSpPr>
       <p:sp>
         <p:nvSpPr>
-          <p:cNvPr id="3" name="Content Placeholder 2"/>
-          <p:cNvSpPr>
-            <a:spLocks noGrp="1"/>
-          </p:cNvSpPr>
-          <p:nvPr>
-            <p:ph idx="1"/>
+          <p:cNvPr id="2" name="Title 1"/>
+          <p:cNvSpPr>
+            <a:spLocks noGrp="1"/>
+          </p:cNvSpPr>
+          <p:nvPr>
+            <p:ph type="title"/>
           </p:nvPr>
         </p:nvSpPr>
         <p:spPr/>
@@ -3862,16 +3880,29 @@
           <a:lstStyle/>
           <a:p>
             <a:pPr lvl="0" indent="0" marL="0">
-              <a:spcBef>
-                <a:spcPts val="3000"/>
-              </a:spcBef>
               <a:buNone/>
             </a:pPr>
             <a:r>
-              <a:rPr b="1"/>
+              <a:rPr/>
               <a:t>Project 2 - Results and Discussion</a:t>
             </a:r>
           </a:p>
+        </p:txBody>
+      </p:sp>
+      <p:sp>
+        <p:nvSpPr>
+          <p:cNvPr id="3" name="Content Placeholder 2"/>
+          <p:cNvSpPr>
+            <a:spLocks noGrp="1"/>
+          </p:cNvSpPr>
+          <p:nvPr>
+            <p:ph idx="1"/>
+          </p:nvPr>
+        </p:nvSpPr>
+        <p:spPr/>
+        <p:txBody>
+          <a:bodyPr/>
+          <a:lstStyle/>
           <a:p>
             <a:pPr lvl="0"/>
             <a:r>
@@ -3933,7 +3964,7 @@
                                         <p:tgtEl>
                                           <p:spTgt spid="3">
                                             <p:txEl>
-                                              <p:pRg st="1" end="1"/>
+                                              <p:pRg st="0" end="0"/>
                                             </p:txEl>
                                           </p:spTgt>
                                         </p:tgtEl>
@@ -3982,7 +4013,7 @@
                                         <p:tgtEl>
                                           <p:spTgt spid="3">
                                             <p:txEl>
-                                              <p:pRg st="2" end="2"/>
+                                              <p:pRg st="1" end="1"/>
                                             </p:txEl>
                                           </p:spTgt>
                                         </p:tgtEl>
@@ -4031,7 +4062,7 @@
                                         <p:tgtEl>
                                           <p:spTgt spid="3">
                                             <p:txEl>
-                                              <p:pRg st="3" end="3"/>
+                                              <p:pRg st="2" end="2"/>
                                             </p:txEl>
                                           </p:spTgt>
                                         </p:tgtEl>
@@ -4099,12 +4130,12 @@
       </p:grpSpPr>
       <p:sp>
         <p:nvSpPr>
-          <p:cNvPr id="4" name="Text Placeholder 3"/>
-          <p:cNvSpPr>
-            <a:spLocks noGrp="1"/>
-          </p:cNvSpPr>
-          <p:nvPr>
-            <p:ph idx="2" sz="half" type="body"/>
+          <p:cNvPr id="2" name="Title 1"/>
+          <p:cNvSpPr>
+            <a:spLocks noGrp="1"/>
+          </p:cNvSpPr>
+          <p:nvPr>
+            <p:ph type="title"/>
           </p:nvPr>
         </p:nvSpPr>
         <p:spPr/>
@@ -4113,13 +4144,10 @@
           <a:lstStyle/>
           <a:p>
             <a:pPr lvl="0" indent="0" marL="0">
-              <a:spcBef>
-                <a:spcPts val="3000"/>
-              </a:spcBef>
               <a:buNone/>
             </a:pPr>
             <a:r>
-              <a:rPr b="1"/>
+              <a:rPr/>
               <a:t>Project 2 - ALM</a:t>
             </a:r>
           </a:p>
@@ -4141,8 +4169,8 @@
         </p:blipFill>
         <p:spPr bwMode="auto">
           <a:xfrm>
-            <a:off x="3568700" y="571500"/>
-            <a:ext cx="5105400" cy="3644900"/>
+            <a:off x="2197100" y="1193800"/>
+            <a:ext cx="4749800" cy="3390900"/>
           </a:xfrm>
           <a:prstGeom prst="rect">
             <a:avLst/>
@@ -4443,12 +4471,12 @@
       </p:grpSpPr>
       <p:sp>
         <p:nvSpPr>
-          <p:cNvPr id="4" name="Text Placeholder 3"/>
-          <p:cNvSpPr>
-            <a:spLocks noGrp="1"/>
-          </p:cNvSpPr>
-          <p:nvPr>
-            <p:ph idx="2" sz="half" type="body"/>
+          <p:cNvPr id="2" name="Title 1"/>
+          <p:cNvSpPr>
+            <a:spLocks noGrp="1"/>
+          </p:cNvSpPr>
+          <p:nvPr>
+            <p:ph type="title"/>
           </p:nvPr>
         </p:nvSpPr>
         <p:spPr/>
@@ -4457,13 +4485,10 @@
           <a:lstStyle/>
           <a:p>
             <a:pPr lvl="0" indent="0" marL="0">
-              <a:spcBef>
-                <a:spcPts val="3000"/>
-              </a:spcBef>
               <a:buNone/>
             </a:pPr>
             <a:r>
-              <a:rPr b="1"/>
+              <a:rPr/>
               <a:t>Comparison</a:t>
             </a:r>
           </a:p>
@@ -4480,8 +4505,8 @@
           </p:nvPr>
         </p:nvGraphicFramePr>
         <p:xfrm>
-          <a:off x="3568700" y="203200"/>
-          <a:ext cx="5105400" cy="4381500"/>
+          <a:off x="457200" y="1193800"/>
+          <a:ext cx="8229600" cy="3390900"/>
         </p:xfrm>
         <a:graphic>
           <a:graphicData uri="http://schemas.openxmlformats.org/drawingml/2006/table">
@@ -4490,9 +4515,9 @@
                 <a:tableStyleId>{5C22544A-7EE6-4342-B048-85BDC9FD1C3A}</a:tableStyleId>
               </a:tblPr>
               <a:tblGrid>
-                <a:gridCol w="1130300"/>
-                <a:gridCol w="2273300"/>
-                <a:gridCol w="1701800"/>
+                <a:gridCol w="1828800"/>
+                <a:gridCol w="3657600"/>
+                <a:gridCol w="2743200"/>
               </a:tblGrid>
               <a:tr h="0">
                 <a:tc>
@@ -4948,12 +4973,12 @@
       </p:grpSpPr>
       <p:sp>
         <p:nvSpPr>
-          <p:cNvPr id="3" name="Content Placeholder 2"/>
-          <p:cNvSpPr>
-            <a:spLocks noGrp="1"/>
-          </p:cNvSpPr>
-          <p:nvPr>
-            <p:ph idx="1"/>
+          <p:cNvPr id="2" name="Title 1"/>
+          <p:cNvSpPr>
+            <a:spLocks noGrp="1"/>
+          </p:cNvSpPr>
+          <p:nvPr>
+            <p:ph type="title"/>
           </p:nvPr>
         </p:nvSpPr>
         <p:spPr/>
@@ -4962,16 +4987,29 @@
           <a:lstStyle/>
           <a:p>
             <a:pPr lvl="0" indent="0" marL="0">
-              <a:spcBef>
-                <a:spcPts val="3000"/>
-              </a:spcBef>
               <a:buNone/>
             </a:pPr>
             <a:r>
-              <a:rPr b="1"/>
+              <a:rPr/>
               <a:t>Theoretical Contributions</a:t>
             </a:r>
           </a:p>
+        </p:txBody>
+      </p:sp>
+      <p:sp>
+        <p:nvSpPr>
+          <p:cNvPr id="3" name="Content Placeholder 2"/>
+          <p:cNvSpPr>
+            <a:spLocks noGrp="1"/>
+          </p:cNvSpPr>
+          <p:nvPr>
+            <p:ph idx="1"/>
+          </p:nvPr>
+        </p:nvSpPr>
+        <p:spPr/>
+        <p:txBody>
+          <a:bodyPr/>
+          <a:lstStyle/>
           <a:p>
             <a:pPr lvl="0"/>
             <a:r>
@@ -5026,7 +5064,7 @@
                                         <p:tgtEl>
                                           <p:spTgt spid="3">
                                             <p:txEl>
-                                              <p:pRg st="1" end="1"/>
+                                              <p:pRg st="0" end="0"/>
                                             </p:txEl>
                                           </p:spTgt>
                                         </p:tgtEl>
@@ -5075,7 +5113,7 @@
                                         <p:tgtEl>
                                           <p:spTgt spid="3">
                                             <p:txEl>
-                                              <p:pRg st="2" end="2"/>
+                                              <p:pRg st="1" end="1"/>
                                             </p:txEl>
                                           </p:spTgt>
                                         </p:tgtEl>
@@ -5143,12 +5181,12 @@
       </p:grpSpPr>
       <p:sp>
         <p:nvSpPr>
-          <p:cNvPr id="3" name="Content Placeholder 2"/>
-          <p:cNvSpPr>
-            <a:spLocks noGrp="1"/>
-          </p:cNvSpPr>
-          <p:nvPr>
-            <p:ph idx="1"/>
+          <p:cNvPr id="2" name="Title 1"/>
+          <p:cNvSpPr>
+            <a:spLocks noGrp="1"/>
+          </p:cNvSpPr>
+          <p:nvPr>
+            <p:ph type="title"/>
           </p:nvPr>
         </p:nvSpPr>
         <p:spPr/>
@@ -5157,16 +5195,29 @@
           <a:lstStyle/>
           <a:p>
             <a:pPr lvl="0" indent="0" marL="0">
-              <a:spcBef>
-                <a:spcPts val="3000"/>
-              </a:spcBef>
               <a:buNone/>
             </a:pPr>
             <a:r>
-              <a:rPr b="1"/>
+              <a:rPr/>
               <a:t>Practical Implications</a:t>
             </a:r>
           </a:p>
+        </p:txBody>
+      </p:sp>
+      <p:sp>
+        <p:nvSpPr>
+          <p:cNvPr id="3" name="Content Placeholder 2"/>
+          <p:cNvSpPr>
+            <a:spLocks noGrp="1"/>
+          </p:cNvSpPr>
+          <p:nvPr>
+            <p:ph idx="1"/>
+          </p:nvPr>
+        </p:nvSpPr>
+        <p:spPr/>
+        <p:txBody>
+          <a:bodyPr/>
+          <a:lstStyle/>
           <a:p>
             <a:pPr lvl="0"/>
             <a:r>
@@ -5221,7 +5272,7 @@
                                         <p:tgtEl>
                                           <p:spTgt spid="3">
                                             <p:txEl>
-                                              <p:pRg st="1" end="1"/>
+                                              <p:pRg st="0" end="0"/>
                                             </p:txEl>
                                           </p:spTgt>
                                         </p:tgtEl>
@@ -5270,7 +5321,7 @@
                                         <p:tgtEl>
                                           <p:spTgt spid="3">
                                             <p:txEl>
-                                              <p:pRg st="2" end="2"/>
+                                              <p:pRg st="1" end="1"/>
                                             </p:txEl>
                                           </p:spTgt>
                                         </p:tgtEl>
@@ -5338,12 +5389,12 @@
       </p:grpSpPr>
       <p:sp>
         <p:nvSpPr>
-          <p:cNvPr id="3" name="Content Placeholder 2"/>
-          <p:cNvSpPr>
-            <a:spLocks noGrp="1"/>
-          </p:cNvSpPr>
-          <p:nvPr>
-            <p:ph idx="1"/>
+          <p:cNvPr id="2" name="Title 1"/>
+          <p:cNvSpPr>
+            <a:spLocks noGrp="1"/>
+          </p:cNvSpPr>
+          <p:nvPr>
+            <p:ph type="title"/>
           </p:nvPr>
         </p:nvSpPr>
         <p:spPr/>
@@ -5352,16 +5403,29 @@
           <a:lstStyle/>
           <a:p>
             <a:pPr lvl="0" indent="0" marL="0">
-              <a:spcBef>
-                <a:spcPts val="3000"/>
-              </a:spcBef>
               <a:buNone/>
             </a:pPr>
             <a:r>
-              <a:rPr b="1"/>
+              <a:rPr/>
               <a:t>Limitations and Future Directions</a:t>
             </a:r>
           </a:p>
+        </p:txBody>
+      </p:sp>
+      <p:sp>
+        <p:nvSpPr>
+          <p:cNvPr id="3" name="Content Placeholder 2"/>
+          <p:cNvSpPr>
+            <a:spLocks noGrp="1"/>
+          </p:cNvSpPr>
+          <p:nvPr>
+            <p:ph idx="1"/>
+          </p:nvPr>
+        </p:nvSpPr>
+        <p:spPr/>
+        <p:txBody>
+          <a:bodyPr/>
+          <a:lstStyle/>
           <a:p>
             <a:pPr lvl="0"/>
             <a:r>
@@ -5416,7 +5480,7 @@
                                         <p:tgtEl>
                                           <p:spTgt spid="3">
                                             <p:txEl>
-                                              <p:pRg st="1" end="1"/>
+                                              <p:pRg st="0" end="0"/>
                                             </p:txEl>
                                           </p:spTgt>
                                         </p:tgtEl>
@@ -5465,7 +5529,7 @@
                                         <p:tgtEl>
                                           <p:spTgt spid="3">
                                             <p:txEl>
-                                              <p:pRg st="2" end="2"/>
+                                              <p:pRg st="1" end="1"/>
                                             </p:txEl>
                                           </p:spTgt>
                                         </p:tgtEl>
@@ -5741,12 +5805,12 @@
       </p:grpSpPr>
       <p:sp>
         <p:nvSpPr>
-          <p:cNvPr id="3" name="Content Placeholder 2"/>
-          <p:cNvSpPr>
-            <a:spLocks noGrp="1"/>
-          </p:cNvSpPr>
-          <p:nvPr>
-            <p:ph idx="1"/>
+          <p:cNvPr id="2" name="Title 1"/>
+          <p:cNvSpPr>
+            <a:spLocks noGrp="1"/>
+          </p:cNvSpPr>
+          <p:nvPr>
+            <p:ph type="title"/>
           </p:nvPr>
         </p:nvSpPr>
         <p:spPr/>
@@ -5755,16 +5819,29 @@
           <a:lstStyle/>
           <a:p>
             <a:pPr lvl="0" indent="0" marL="0">
-              <a:spcBef>
-                <a:spcPts val="3000"/>
-              </a:spcBef>
               <a:buNone/>
             </a:pPr>
             <a:r>
-              <a:rPr b="1"/>
+              <a:rPr/>
               <a:t>Conclusion</a:t>
             </a:r>
           </a:p>
+        </p:txBody>
+      </p:sp>
+      <p:sp>
+        <p:nvSpPr>
+          <p:cNvPr id="3" name="Content Placeholder 2"/>
+          <p:cNvSpPr>
+            <a:spLocks noGrp="1"/>
+          </p:cNvSpPr>
+          <p:nvPr>
+            <p:ph idx="1"/>
+          </p:nvPr>
+        </p:nvSpPr>
+        <p:spPr/>
+        <p:txBody>
+          <a:bodyPr/>
+          <a:lstStyle/>
           <a:p>
             <a:pPr lvl="0"/>
             <a:r>
@@ -5819,7 +5896,7 @@
                                         <p:tgtEl>
                                           <p:spTgt spid="3">
                                             <p:txEl>
-                                              <p:pRg st="1" end="1"/>
+                                              <p:pRg st="0" end="0"/>
                                             </p:txEl>
                                           </p:spTgt>
                                         </p:tgtEl>
@@ -5868,7 +5945,7 @@
                                         <p:tgtEl>
                                           <p:spTgt spid="3">
                                             <p:txEl>
-                                              <p:pRg st="2" end="2"/>
+                                              <p:pRg st="1" end="1"/>
                                             </p:txEl>
                                           </p:spTgt>
                                         </p:tgtEl>
@@ -5936,12 +6013,12 @@
       </p:grpSpPr>
       <p:sp>
         <p:nvSpPr>
-          <p:cNvPr id="3" name="Content Placeholder 2"/>
-          <p:cNvSpPr>
-            <a:spLocks noGrp="1"/>
-          </p:cNvSpPr>
-          <p:nvPr>
-            <p:ph idx="1"/>
+          <p:cNvPr id="2" name="Title 1"/>
+          <p:cNvSpPr>
+            <a:spLocks noGrp="1"/>
+          </p:cNvSpPr>
+          <p:nvPr>
+            <p:ph type="title"/>
           </p:nvPr>
         </p:nvSpPr>
         <p:spPr/>
@@ -5950,16 +6027,29 @@
           <a:lstStyle/>
           <a:p>
             <a:pPr lvl="0" indent="0" marL="0">
-              <a:spcBef>
-                <a:spcPts val="3000"/>
-              </a:spcBef>
               <a:buNone/>
             </a:pPr>
             <a:r>
-              <a:rPr b="1"/>
+              <a:rPr/>
               <a:t>Questions and Discussion</a:t>
             </a:r>
           </a:p>
+        </p:txBody>
+      </p:sp>
+      <p:sp>
+        <p:nvSpPr>
+          <p:cNvPr id="3" name="Content Placeholder 2"/>
+          <p:cNvSpPr>
+            <a:spLocks noGrp="1"/>
+          </p:cNvSpPr>
+          <p:nvPr>
+            <p:ph idx="1"/>
+          </p:nvPr>
+        </p:nvSpPr>
+        <p:spPr/>
+        <p:txBody>
+          <a:bodyPr/>
+          <a:lstStyle/>
           <a:p>
             <a:pPr lvl="0"/>
             <a:r>
@@ -6007,7 +6097,7 @@
                                         <p:tgtEl>
                                           <p:spTgt spid="3">
                                             <p:txEl>
-                                              <p:pRg st="1" end="1"/>
+                                              <p:pRg st="0" end="0"/>
                                             </p:txEl>
                                           </p:spTgt>
                                         </p:tgtEl>
@@ -6075,12 +6165,12 @@
       </p:grpSpPr>
       <p:sp>
         <p:nvSpPr>
-          <p:cNvPr id="3" name="Content Placeholder 2"/>
-          <p:cNvSpPr>
-            <a:spLocks noGrp="1"/>
-          </p:cNvSpPr>
-          <p:nvPr>
-            <p:ph idx="1"/>
+          <p:cNvPr id="2" name="Title 1"/>
+          <p:cNvSpPr>
+            <a:spLocks noGrp="1"/>
+          </p:cNvSpPr>
+          <p:nvPr>
+            <p:ph type="title"/>
           </p:nvPr>
         </p:nvSpPr>
         <p:spPr/>
@@ -6089,16 +6179,29 @@
           <a:lstStyle/>
           <a:p>
             <a:pPr lvl="0" indent="0" marL="0">
-              <a:spcBef>
-                <a:spcPts val="3000"/>
-              </a:spcBef>
               <a:buNone/>
             </a:pPr>
             <a:r>
-              <a:rPr b="1"/>
+              <a:rPr/>
               <a:t>Background and Motivation</a:t>
             </a:r>
           </a:p>
+        </p:txBody>
+      </p:sp>
+      <p:sp>
+        <p:nvSpPr>
+          <p:cNvPr id="3" name="Content Placeholder 2"/>
+          <p:cNvSpPr>
+            <a:spLocks noGrp="1"/>
+          </p:cNvSpPr>
+          <p:nvPr>
+            <p:ph idx="1"/>
+          </p:nvPr>
+        </p:nvSpPr>
+        <p:spPr/>
+        <p:txBody>
+          <a:bodyPr/>
+          <a:lstStyle/>
           <a:p>
             <a:pPr lvl="0"/>
             <a:r>
@@ -6160,7 +6263,7 @@
                                         <p:tgtEl>
                                           <p:spTgt spid="3">
                                             <p:txEl>
-                                              <p:pRg st="1" end="1"/>
+                                              <p:pRg st="0" end="0"/>
                                             </p:txEl>
                                           </p:spTgt>
                                         </p:tgtEl>
@@ -6209,7 +6312,7 @@
                                         <p:tgtEl>
                                           <p:spTgt spid="3">
                                             <p:txEl>
-                                              <p:pRg st="2" end="2"/>
+                                              <p:pRg st="1" end="1"/>
                                             </p:txEl>
                                           </p:spTgt>
                                         </p:tgtEl>
@@ -6258,7 +6361,7 @@
                                         <p:tgtEl>
                                           <p:spTgt spid="3">
                                             <p:txEl>
-                                              <p:pRg st="3" end="3"/>
+                                              <p:pRg st="2" end="2"/>
                                             </p:txEl>
                                           </p:spTgt>
                                         </p:tgtEl>
@@ -6326,30 +6429,48 @@
       </p:grpSpPr>
       <p:sp>
         <p:nvSpPr>
-          <p:cNvPr id="4" name="Text Placeholder 3"/>
-          <p:cNvSpPr>
-            <a:spLocks noGrp="1"/>
-          </p:cNvSpPr>
-          <p:nvPr>
-            <p:ph idx="2" sz="half" type="body"/>
-          </p:nvPr>
-        </p:nvSpPr>
-        <p:spPr/>
+          <p:cNvPr id="2" name="Title 1"/>
+          <p:cNvSpPr>
+            <a:spLocks noGrp="1"/>
+          </p:cNvSpPr>
+          <p:nvPr>
+            <p:ph type="title"/>
+          </p:nvPr>
+        </p:nvSpPr>
+        <p:spPr>
+          <a:xfrm>
+            <a:off x="457201" y="204787"/>
+            <a:ext cx="3008313" cy="871538"/>
+          </a:xfrm>
+        </p:spPr>
         <p:txBody>
           <a:bodyPr/>
           <a:lstStyle/>
           <a:p>
             <a:pPr lvl="0" indent="0" marL="0">
-              <a:spcBef>
-                <a:spcPts val="3000"/>
-              </a:spcBef>
               <a:buNone/>
             </a:pPr>
             <a:r>
-              <a:rPr b="1"/>
+              <a:rPr/>
               <a:t>Theoretical Frameworks</a:t>
             </a:r>
           </a:p>
+        </p:txBody>
+      </p:sp>
+      <p:sp>
+        <p:nvSpPr>
+          <p:cNvPr id="4" name="Text Placeholder 3"/>
+          <p:cNvSpPr>
+            <a:spLocks noGrp="1"/>
+          </p:cNvSpPr>
+          <p:nvPr>
+            <p:ph idx="2" sz="half" type="body"/>
+          </p:nvPr>
+        </p:nvSpPr>
+        <p:spPr/>
+        <p:txBody>
+          <a:bodyPr/>
+          <a:lstStyle/>
           <a:p>
             <a:pPr lvl="0"/>
             <a:r>
@@ -6441,7 +6562,7 @@
                                         <p:tgtEl>
                                           <p:spTgt spid="4">
                                             <p:txEl>
-                                              <p:pRg st="1" end="1"/>
+                                              <p:pRg st="0" end="0"/>
                                             </p:txEl>
                                           </p:spTgt>
                                         </p:tgtEl>
@@ -6490,7 +6611,7 @@
                                         <p:tgtEl>
                                           <p:spTgt spid="4">
                                             <p:txEl>
-                                              <p:pRg st="2" end="2"/>
+                                              <p:pRg st="1" end="1"/>
                                             </p:txEl>
                                           </p:spTgt>
                                         </p:tgtEl>
@@ -6539,7 +6660,7 @@
                                         <p:tgtEl>
                                           <p:spTgt spid="4">
                                             <p:txEl>
-                                              <p:pRg st="3" end="3"/>
+                                              <p:pRg st="2" end="2"/>
                                             </p:txEl>
                                           </p:spTgt>
                                         </p:tgtEl>
@@ -6607,12 +6728,12 @@
       </p:grpSpPr>
       <p:sp>
         <p:nvSpPr>
-          <p:cNvPr id="3" name="Content Placeholder 2"/>
-          <p:cNvSpPr>
-            <a:spLocks noGrp="1"/>
-          </p:cNvSpPr>
-          <p:nvPr>
-            <p:ph idx="1"/>
+          <p:cNvPr id="2" name="Title 1"/>
+          <p:cNvSpPr>
+            <a:spLocks noGrp="1"/>
+          </p:cNvSpPr>
+          <p:nvPr>
+            <p:ph type="title"/>
           </p:nvPr>
         </p:nvSpPr>
         <p:spPr/>
@@ -6621,16 +6742,29 @@
           <a:lstStyle/>
           <a:p>
             <a:pPr lvl="0" indent="0" marL="0">
-              <a:spcBef>
-                <a:spcPts val="3000"/>
-              </a:spcBef>
               <a:buNone/>
             </a:pPr>
             <a:r>
-              <a:rPr b="1"/>
+              <a:rPr/>
               <a:t>Overview of Current Work</a:t>
             </a:r>
           </a:p>
+        </p:txBody>
+      </p:sp>
+      <p:sp>
+        <p:nvSpPr>
+          <p:cNvPr id="3" name="Content Placeholder 2"/>
+          <p:cNvSpPr>
+            <a:spLocks noGrp="1"/>
+          </p:cNvSpPr>
+          <p:nvPr>
+            <p:ph idx="1"/>
+          </p:nvPr>
+        </p:nvSpPr>
+        <p:spPr/>
+        <p:txBody>
+          <a:bodyPr/>
+          <a:lstStyle/>
           <a:p>
             <a:pPr lvl="0"/>
             <a:r>
@@ -6685,7 +6819,7 @@
                                         <p:tgtEl>
                                           <p:spTgt spid="3">
                                             <p:txEl>
-                                              <p:pRg st="1" end="1"/>
+                                              <p:pRg st="0" end="0"/>
                                             </p:txEl>
                                           </p:spTgt>
                                         </p:tgtEl>
@@ -6734,7 +6868,7 @@
                                         <p:tgtEl>
                                           <p:spTgt spid="3">
                                             <p:txEl>
-                                              <p:pRg st="2" end="2"/>
+                                              <p:pRg st="1" end="1"/>
                                             </p:txEl>
                                           </p:spTgt>
                                         </p:tgtEl>
@@ -7122,30 +7256,48 @@
       </p:grpSpPr>
       <p:sp>
         <p:nvSpPr>
-          <p:cNvPr id="4" name="Text Placeholder 3"/>
-          <p:cNvSpPr>
-            <a:spLocks noGrp="1"/>
-          </p:cNvSpPr>
-          <p:nvPr>
-            <p:ph idx="2" sz="half" type="body"/>
-          </p:nvPr>
-        </p:nvSpPr>
-        <p:spPr/>
+          <p:cNvPr id="2" name="Title 1"/>
+          <p:cNvSpPr>
+            <a:spLocks noGrp="1"/>
+          </p:cNvSpPr>
+          <p:nvPr>
+            <p:ph type="title"/>
+          </p:nvPr>
+        </p:nvSpPr>
+        <p:spPr>
+          <a:xfrm>
+            <a:off x="457201" y="204787"/>
+            <a:ext cx="3008313" cy="871538"/>
+          </a:xfrm>
+        </p:spPr>
         <p:txBody>
           <a:bodyPr/>
           <a:lstStyle/>
           <a:p>
             <a:pPr lvl="0" indent="0" marL="0">
-              <a:spcBef>
-                <a:spcPts val="3000"/>
-              </a:spcBef>
               <a:buNone/>
             </a:pPr>
             <a:r>
-              <a:rPr b="1"/>
+              <a:rPr/>
               <a:t>Project 1 - Methodology</a:t>
             </a:r>
           </a:p>
+        </p:txBody>
+      </p:sp>
+      <p:sp>
+        <p:nvSpPr>
+          <p:cNvPr id="4" name="Text Placeholder 3"/>
+          <p:cNvSpPr>
+            <a:spLocks noGrp="1"/>
+          </p:cNvSpPr>
+          <p:nvPr>
+            <p:ph idx="2" sz="half" type="body"/>
+          </p:nvPr>
+        </p:nvSpPr>
+        <p:spPr/>
+        <p:txBody>
+          <a:bodyPr/>
+          <a:lstStyle/>
           <a:p>
             <a:pPr lvl="0"/>
             <a:r>
@@ -7237,7 +7389,7 @@
                                         <p:tgtEl>
                                           <p:spTgt spid="4">
                                             <p:txEl>
-                                              <p:pRg st="1" end="1"/>
+                                              <p:pRg st="0" end="0"/>
                                             </p:txEl>
                                           </p:spTgt>
                                         </p:tgtEl>
@@ -7286,7 +7438,7 @@
                                         <p:tgtEl>
                                           <p:spTgt spid="4">
                                             <p:txEl>
-                                              <p:pRg st="2" end="2"/>
+                                              <p:pRg st="1" end="1"/>
                                             </p:txEl>
                                           </p:spTgt>
                                         </p:tgtEl>
@@ -7335,7 +7487,7 @@
                                         <p:tgtEl>
                                           <p:spTgt spid="4">
                                             <p:txEl>
-                                              <p:pRg st="3" end="3"/>
+                                              <p:pRg st="2" end="2"/>
                                             </p:txEl>
                                           </p:spTgt>
                                         </p:tgtEl>
@@ -7403,12 +7555,12 @@
       </p:grpSpPr>
       <p:sp>
         <p:nvSpPr>
-          <p:cNvPr id="3" name="Content Placeholder 2"/>
-          <p:cNvSpPr>
-            <a:spLocks noGrp="1"/>
-          </p:cNvSpPr>
-          <p:nvPr>
-            <p:ph idx="1"/>
+          <p:cNvPr id="2" name="Title 1"/>
+          <p:cNvSpPr>
+            <a:spLocks noGrp="1"/>
+          </p:cNvSpPr>
+          <p:nvPr>
+            <p:ph type="title"/>
           </p:nvPr>
         </p:nvSpPr>
         <p:spPr/>
@@ -7417,16 +7569,29 @@
           <a:lstStyle/>
           <a:p>
             <a:pPr lvl="0" indent="0" marL="0">
-              <a:spcBef>
-                <a:spcPts val="3000"/>
-              </a:spcBef>
               <a:buNone/>
             </a:pPr>
             <a:r>
-              <a:rPr b="1"/>
+              <a:rPr/>
               <a:t>Project 1 - Results and Discussion</a:t>
             </a:r>
           </a:p>
+        </p:txBody>
+      </p:sp>
+      <p:sp>
+        <p:nvSpPr>
+          <p:cNvPr id="3" name="Content Placeholder 2"/>
+          <p:cNvSpPr>
+            <a:spLocks noGrp="1"/>
+          </p:cNvSpPr>
+          <p:nvPr>
+            <p:ph idx="1"/>
+          </p:nvPr>
+        </p:nvSpPr>
+        <p:spPr/>
+        <p:txBody>
+          <a:bodyPr/>
+          <a:lstStyle/>
           <a:p>
             <a:pPr lvl="0"/>
             <a:r>
@@ -7488,7 +7653,7 @@
                                         <p:tgtEl>
                                           <p:spTgt spid="3">
                                             <p:txEl>
-                                              <p:pRg st="1" end="1"/>
+                                              <p:pRg st="0" end="0"/>
                                             </p:txEl>
                                           </p:spTgt>
                                         </p:tgtEl>
@@ -7537,7 +7702,7 @@
                                         <p:tgtEl>
                                           <p:spTgt spid="3">
                                             <p:txEl>
-                                              <p:pRg st="2" end="2"/>
+                                              <p:pRg st="1" end="1"/>
                                             </p:txEl>
                                           </p:spTgt>
                                         </p:tgtEl>
@@ -7586,7 +7751,7 @@
                                         <p:tgtEl>
                                           <p:spTgt spid="3">
                                             <p:txEl>
-                                              <p:pRg st="3" end="3"/>
+                                              <p:pRg st="2" end="2"/>
                                             </p:txEl>
                                           </p:spTgt>
                                         </p:tgtEl>
@@ -7652,6 +7817,31 @@
           <a:chExt cx="0" cy="0"/>
         </a:xfrm>
       </p:grpSpPr>
+      <p:sp>
+        <p:nvSpPr>
+          <p:cNvPr id="2" name="Title 1"/>
+          <p:cNvSpPr>
+            <a:spLocks noGrp="1"/>
+          </p:cNvSpPr>
+          <p:nvPr>
+            <p:ph type="title"/>
+          </p:nvPr>
+        </p:nvSpPr>
+        <p:spPr/>
+        <p:txBody>
+          <a:bodyPr/>
+          <a:lstStyle/>
+          <a:p>
+            <a:pPr lvl="0" indent="0" marL="0">
+              <a:buNone/>
+            </a:pPr>
+            <a:r>
+              <a:rPr/>
+              <a:t>Computational Model</a:t>
+            </a:r>
+          </a:p>
+        </p:txBody>
+      </p:sp>
       <mc:AlternateContent xmlns:mc="http://schemas.openxmlformats.org/markup-compatibility/2006">
         <mc:Choice xmlns:a14="http://schemas.microsoft.com/office/drawing/2010/main" Requires="a14">
           <p:sp>
@@ -7668,18 +7858,6 @@
             <p:txBody>
               <a:bodyPr/>
               <a:lstStyle/>
-              <a:p>
-                <a:pPr lvl="0" indent="0" marL="0">
-                  <a:spcBef>
-                    <a:spcPts val="3000"/>
-                  </a:spcBef>
-                  <a:buNone/>
-                </a:pPr>
-                <a:r>
-                  <a:rPr b="1"/>
-                  <a:t>Computational Model</a:t>
-                </a:r>
-              </a:p>
               <a:p>
                 <a:pPr lvl="0" indent="0" marL="0">
                   <a:buNone/>
